--- a/static/img/Specials/onDemandHeadPhotosPlenariesAndKeynotes.pptx
+++ b/static/img/Specials/onDemandHeadPhotosPlenariesAndKeynotes.pptx
@@ -7,6 +7,7 @@
   <p:sldIdLst>
     <p:sldId id="256" r:id="rId2"/>
     <p:sldId id="257" r:id="rId3"/>
+    <p:sldId id="258" r:id="rId4"/>
   </p:sldIdLst>
   <p:sldSz cx="9144000" cy="6858000" type="screen4x3"/>
   <p:notesSz cx="6858000" cy="9144000"/>
@@ -303,7 +304,7 @@
           <a:p>
             <a:fld id="{0CCCE32A-B26F-4A65-858B-872736513CD1}" type="datetimeFigureOut">
               <a:rPr lang="en-US" smtClean="0"/>
-              <a:t>7/25/2020</a:t>
+              <a:t>10/12/2020</a:t>
             </a:fld>
             <a:endParaRPr lang="en-US"/>
           </a:p>
@@ -471,7 +472,7 @@
           <a:p>
             <a:fld id="{0CCCE32A-B26F-4A65-858B-872736513CD1}" type="datetimeFigureOut">
               <a:rPr lang="en-US" smtClean="0"/>
-              <a:t>7/25/2020</a:t>
+              <a:t>10/12/2020</a:t>
             </a:fld>
             <a:endParaRPr lang="en-US"/>
           </a:p>
@@ -649,7 +650,7 @@
           <a:p>
             <a:fld id="{0CCCE32A-B26F-4A65-858B-872736513CD1}" type="datetimeFigureOut">
               <a:rPr lang="en-US" smtClean="0"/>
-              <a:t>7/25/2020</a:t>
+              <a:t>10/12/2020</a:t>
             </a:fld>
             <a:endParaRPr lang="en-US"/>
           </a:p>
@@ -817,7 +818,7 @@
           <a:p>
             <a:fld id="{0CCCE32A-B26F-4A65-858B-872736513CD1}" type="datetimeFigureOut">
               <a:rPr lang="en-US" smtClean="0"/>
-              <a:t>7/25/2020</a:t>
+              <a:t>10/12/2020</a:t>
             </a:fld>
             <a:endParaRPr lang="en-US"/>
           </a:p>
@@ -1062,7 +1063,7 @@
           <a:p>
             <a:fld id="{0CCCE32A-B26F-4A65-858B-872736513CD1}" type="datetimeFigureOut">
               <a:rPr lang="en-US" smtClean="0"/>
-              <a:t>7/25/2020</a:t>
+              <a:t>10/12/2020</a:t>
             </a:fld>
             <a:endParaRPr lang="en-US"/>
           </a:p>
@@ -1347,7 +1348,7 @@
           <a:p>
             <a:fld id="{0CCCE32A-B26F-4A65-858B-872736513CD1}" type="datetimeFigureOut">
               <a:rPr lang="en-US" smtClean="0"/>
-              <a:t>7/25/2020</a:t>
+              <a:t>10/12/2020</a:t>
             </a:fld>
             <a:endParaRPr lang="en-US"/>
           </a:p>
@@ -1766,7 +1767,7 @@
           <a:p>
             <a:fld id="{0CCCE32A-B26F-4A65-858B-872736513CD1}" type="datetimeFigureOut">
               <a:rPr lang="en-US" smtClean="0"/>
-              <a:t>7/25/2020</a:t>
+              <a:t>10/12/2020</a:t>
             </a:fld>
             <a:endParaRPr lang="en-US"/>
           </a:p>
@@ -1883,7 +1884,7 @@
           <a:p>
             <a:fld id="{0CCCE32A-B26F-4A65-858B-872736513CD1}" type="datetimeFigureOut">
               <a:rPr lang="en-US" smtClean="0"/>
-              <a:t>7/25/2020</a:t>
+              <a:t>10/12/2020</a:t>
             </a:fld>
             <a:endParaRPr lang="en-US"/>
           </a:p>
@@ -1978,7 +1979,7 @@
           <a:p>
             <a:fld id="{0CCCE32A-B26F-4A65-858B-872736513CD1}" type="datetimeFigureOut">
               <a:rPr lang="en-US" smtClean="0"/>
-              <a:t>7/25/2020</a:t>
+              <a:t>10/12/2020</a:t>
             </a:fld>
             <a:endParaRPr lang="en-US"/>
           </a:p>
@@ -2253,7 +2254,7 @@
           <a:p>
             <a:fld id="{0CCCE32A-B26F-4A65-858B-872736513CD1}" type="datetimeFigureOut">
               <a:rPr lang="en-US" smtClean="0"/>
-              <a:t>7/25/2020</a:t>
+              <a:t>10/12/2020</a:t>
             </a:fld>
             <a:endParaRPr lang="en-US"/>
           </a:p>
@@ -2505,7 +2506,7 @@
           <a:p>
             <a:fld id="{0CCCE32A-B26F-4A65-858B-872736513CD1}" type="datetimeFigureOut">
               <a:rPr lang="en-US" smtClean="0"/>
-              <a:t>7/25/2020</a:t>
+              <a:t>10/12/2020</a:t>
             </a:fld>
             <a:endParaRPr lang="en-US"/>
           </a:p>
@@ -2739,7 +2740,7 @@
           <a:p>
             <a:fld id="{0CCCE32A-B26F-4A65-858B-872736513CD1}" type="datetimeFigureOut">
               <a:rPr lang="en-US" smtClean="0"/>
-              <a:t>7/25/2020</a:t>
+              <a:t>10/12/2020</a:t>
             </a:fld>
             <a:endParaRPr lang="en-US"/>
           </a:p>
@@ -3788,6 +3789,195 @@
 </p:sld>
 </file>
 
+<file path=ppt/slides/slide3.xml><?xml version="1.0" encoding="utf-8"?>
+<p:sld xmlns:a="http://schemas.openxmlformats.org/drawingml/2006/main" xmlns:r="http://schemas.openxmlformats.org/officeDocument/2006/relationships" xmlns:p="http://schemas.openxmlformats.org/presentationml/2006/main">
+  <p:cSld>
+    <p:spTree>
+      <p:nvGrpSpPr>
+        <p:cNvPr id="1" name=""/>
+        <p:cNvGrpSpPr/>
+        <p:nvPr/>
+      </p:nvGrpSpPr>
+      <p:grpSpPr>
+        <a:xfrm>
+          <a:off x="0" y="0"/>
+          <a:ext cx="0" cy="0"/>
+          <a:chOff x="0" y="0"/>
+          <a:chExt cx="0" cy="0"/>
+        </a:xfrm>
+      </p:grpSpPr>
+      <p:pic>
+        <p:nvPicPr>
+          <p:cNvPr id="2" name="Picture 2" descr="Image">
+            <a:extLst>
+              <a:ext uri="{FF2B5EF4-FFF2-40B4-BE49-F238E27FC236}">
+                <a16:creationId xmlns:a16="http://schemas.microsoft.com/office/drawing/2014/main" id="{AF81AD76-5108-41F9-81C5-A1A3966C0176}"/>
+              </a:ext>
+            </a:extLst>
+          </p:cNvPr>
+          <p:cNvPicPr>
+            <a:picLocks noChangeAspect="1" noChangeArrowheads="1"/>
+          </p:cNvPicPr>
+          <p:nvPr/>
+        </p:nvPicPr>
+        <p:blipFill rotWithShape="1">
+          <a:blip r:embed="rId2">
+            <a:extLst>
+              <a:ext uri="{28A0092B-C50C-407E-A947-70E740481C1C}">
+                <a14:useLocalDpi xmlns:a14="http://schemas.microsoft.com/office/drawing/2010/main" val="0"/>
+              </a:ext>
+            </a:extLst>
+          </a:blip>
+          <a:srcRect b="1488"/>
+          <a:stretch/>
+        </p:blipFill>
+        <p:spPr bwMode="auto">
+          <a:xfrm>
+            <a:off x="251520" y="1844824"/>
+            <a:ext cx="2691899" cy="2651861"/>
+          </a:xfrm>
+          <a:prstGeom prst="rect">
+            <a:avLst/>
+          </a:prstGeom>
+          <a:noFill/>
+          <a:extLst>
+            <a:ext uri="{909E8E84-426E-40DD-AFC4-6F175D3DCCD1}">
+              <a14:hiddenFill xmlns:a14="http://schemas.microsoft.com/office/drawing/2010/main">
+                <a:solidFill>
+                  <a:srgbClr val="FFFFFF"/>
+                </a:solidFill>
+              </a14:hiddenFill>
+            </a:ext>
+          </a:extLst>
+        </p:spPr>
+      </p:pic>
+      <p:pic>
+        <p:nvPicPr>
+          <p:cNvPr id="3" name="Picture 4" descr="Image">
+            <a:extLst>
+              <a:ext uri="{FF2B5EF4-FFF2-40B4-BE49-F238E27FC236}">
+                <a16:creationId xmlns:a16="http://schemas.microsoft.com/office/drawing/2014/main" id="{0AB0EFAE-6423-4C79-9477-3480D7867BF5}"/>
+              </a:ext>
+            </a:extLst>
+          </p:cNvPr>
+          <p:cNvPicPr>
+            <a:picLocks noChangeAspect="1" noChangeArrowheads="1"/>
+          </p:cNvPicPr>
+          <p:nvPr/>
+        </p:nvPicPr>
+        <p:blipFill>
+          <a:blip r:embed="rId3">
+            <a:extLst>
+              <a:ext uri="{BEBA8EAE-BF5A-486C-A8C5-ECC9F3942E4B}">
+                <a14:imgProps xmlns:a14="http://schemas.microsoft.com/office/drawing/2010/main">
+                  <a14:imgLayer r:embed="rId4">
+                    <a14:imgEffect>
+                      <a14:backgroundRemoval t="5348" b="98396" l="9626" r="90374">
+                        <a14:foregroundMark x1="47059" y1="88235" x2="45455" y2="88235"/>
+                        <a14:foregroundMark x1="65241" y1="70053" x2="45455" y2="94652"/>
+                        <a14:foregroundMark x1="87166" y1="87166" x2="86631" y2="99465"/>
+                        <a14:foregroundMark x1="56684" y1="9091" x2="65775" y2="9626"/>
+                        <a14:foregroundMark x1="53476" y1="5348" x2="62032" y2="6952"/>
+                        <a14:foregroundMark x1="52406" y1="12834" x2="64706" y2="6952"/>
+                        <a14:foregroundMark x1="90374" y1="72193" x2="90374" y2="72193"/>
+                        <a14:backgroundMark x1="49198" y1="8021" x2="51706" y2="7800"/>
+                        <a14:backgroundMark x1="54545" y1="4813" x2="54545" y2="4813"/>
+                        <a14:backgroundMark x1="51872" y1="4813" x2="51872" y2="4813"/>
+                        <a14:backgroundMark x1="52941" y1="5348" x2="52941" y2="5348"/>
+                        <a14:backgroundMark x1="54545" y1="4278" x2="54545" y2="4278"/>
+                      </a14:backgroundRemoval>
+                    </a14:imgEffect>
+                  </a14:imgLayer>
+                </a14:imgProps>
+              </a:ext>
+              <a:ext uri="{28A0092B-C50C-407E-A947-70E740481C1C}">
+                <a14:useLocalDpi xmlns:a14="http://schemas.microsoft.com/office/drawing/2010/main" val="0"/>
+              </a:ext>
+            </a:extLst>
+          </a:blip>
+          <a:srcRect/>
+          <a:stretch>
+            <a:fillRect/>
+          </a:stretch>
+        </p:blipFill>
+        <p:spPr bwMode="auto">
+          <a:xfrm>
+            <a:off x="3181645" y="1780399"/>
+            <a:ext cx="2780709" cy="2780709"/>
+          </a:xfrm>
+          <a:prstGeom prst="rect">
+            <a:avLst/>
+          </a:prstGeom>
+          <a:noFill/>
+          <a:extLst>
+            <a:ext uri="{909E8E84-426E-40DD-AFC4-6F175D3DCCD1}">
+              <a14:hiddenFill xmlns:a14="http://schemas.microsoft.com/office/drawing/2010/main">
+                <a:solidFill>
+                  <a:srgbClr val="FFFFFF"/>
+                </a:solidFill>
+              </a14:hiddenFill>
+            </a:ext>
+          </a:extLst>
+        </p:spPr>
+      </p:pic>
+      <p:pic>
+        <p:nvPicPr>
+          <p:cNvPr id="1030" name="Picture 6" descr="Image">
+            <a:extLst>
+              <a:ext uri="{FF2B5EF4-FFF2-40B4-BE49-F238E27FC236}">
+                <a16:creationId xmlns:a16="http://schemas.microsoft.com/office/drawing/2014/main" id="{AF38621E-13FA-4EEF-A6EB-E71CF07FFA2D}"/>
+              </a:ext>
+            </a:extLst>
+          </p:cNvPr>
+          <p:cNvPicPr>
+            <a:picLocks noChangeAspect="1" noChangeArrowheads="1"/>
+          </p:cNvPicPr>
+          <p:nvPr/>
+        </p:nvPicPr>
+        <p:blipFill rotWithShape="1">
+          <a:blip r:embed="rId5">
+            <a:extLst>
+              <a:ext uri="{28A0092B-C50C-407E-A947-70E740481C1C}">
+                <a14:useLocalDpi xmlns:a14="http://schemas.microsoft.com/office/drawing/2010/main" val="0"/>
+              </a:ext>
+            </a:extLst>
+          </a:blip>
+          <a:srcRect b="4832"/>
+          <a:stretch/>
+        </p:blipFill>
+        <p:spPr bwMode="auto">
+          <a:xfrm>
+            <a:off x="6096124" y="1909247"/>
+            <a:ext cx="2786502" cy="2651861"/>
+          </a:xfrm>
+          <a:prstGeom prst="rect">
+            <a:avLst/>
+          </a:prstGeom>
+          <a:noFill/>
+          <a:extLst>
+            <a:ext uri="{909E8E84-426E-40DD-AFC4-6F175D3DCCD1}">
+              <a14:hiddenFill xmlns:a14="http://schemas.microsoft.com/office/drawing/2010/main">
+                <a:solidFill>
+                  <a:srgbClr val="FFFFFF"/>
+                </a:solidFill>
+              </a14:hiddenFill>
+            </a:ext>
+          </a:extLst>
+        </p:spPr>
+      </p:pic>
+    </p:spTree>
+    <p:extLst>
+      <p:ext uri="{BB962C8B-B14F-4D97-AF65-F5344CB8AC3E}">
+        <p14:creationId xmlns:p14="http://schemas.microsoft.com/office/powerpoint/2010/main" val="675039783"/>
+      </p:ext>
+    </p:extLst>
+  </p:cSld>
+  <p:clrMapOvr>
+    <a:masterClrMapping/>
+  </p:clrMapOvr>
+</p:sld>
+</file>
+
 <file path=ppt/theme/theme1.xml><?xml version="1.0" encoding="utf-8"?>
 <a:theme xmlns:a="http://schemas.openxmlformats.org/drawingml/2006/main" name="Office Theme">
   <a:themeElements>

--- a/static/img/Specials/onDemandHeadPhotosPlenariesAndKeynotes.pptx
+++ b/static/img/Specials/onDemandHeadPhotosPlenariesAndKeynotes.pptx
@@ -304,7 +304,7 @@
           <a:p>
             <a:fld id="{0CCCE32A-B26F-4A65-858B-872736513CD1}" type="datetimeFigureOut">
               <a:rPr lang="en-US" smtClean="0"/>
-              <a:t>10/12/2020</a:t>
+              <a:t>10/17/2020</a:t>
             </a:fld>
             <a:endParaRPr lang="en-US"/>
           </a:p>
@@ -472,7 +472,7 @@
           <a:p>
             <a:fld id="{0CCCE32A-B26F-4A65-858B-872736513CD1}" type="datetimeFigureOut">
               <a:rPr lang="en-US" smtClean="0"/>
-              <a:t>10/12/2020</a:t>
+              <a:t>10/17/2020</a:t>
             </a:fld>
             <a:endParaRPr lang="en-US"/>
           </a:p>
@@ -650,7 +650,7 @@
           <a:p>
             <a:fld id="{0CCCE32A-B26F-4A65-858B-872736513CD1}" type="datetimeFigureOut">
               <a:rPr lang="en-US" smtClean="0"/>
-              <a:t>10/12/2020</a:t>
+              <a:t>10/17/2020</a:t>
             </a:fld>
             <a:endParaRPr lang="en-US"/>
           </a:p>
@@ -818,7 +818,7 @@
           <a:p>
             <a:fld id="{0CCCE32A-B26F-4A65-858B-872736513CD1}" type="datetimeFigureOut">
               <a:rPr lang="en-US" smtClean="0"/>
-              <a:t>10/12/2020</a:t>
+              <a:t>10/17/2020</a:t>
             </a:fld>
             <a:endParaRPr lang="en-US"/>
           </a:p>
@@ -1063,7 +1063,7 @@
           <a:p>
             <a:fld id="{0CCCE32A-B26F-4A65-858B-872736513CD1}" type="datetimeFigureOut">
               <a:rPr lang="en-US" smtClean="0"/>
-              <a:t>10/12/2020</a:t>
+              <a:t>10/17/2020</a:t>
             </a:fld>
             <a:endParaRPr lang="en-US"/>
           </a:p>
@@ -1348,7 +1348,7 @@
           <a:p>
             <a:fld id="{0CCCE32A-B26F-4A65-858B-872736513CD1}" type="datetimeFigureOut">
               <a:rPr lang="en-US" smtClean="0"/>
-              <a:t>10/12/2020</a:t>
+              <a:t>10/17/2020</a:t>
             </a:fld>
             <a:endParaRPr lang="en-US"/>
           </a:p>
@@ -1767,7 +1767,7 @@
           <a:p>
             <a:fld id="{0CCCE32A-B26F-4A65-858B-872736513CD1}" type="datetimeFigureOut">
               <a:rPr lang="en-US" smtClean="0"/>
-              <a:t>10/12/2020</a:t>
+              <a:t>10/17/2020</a:t>
             </a:fld>
             <a:endParaRPr lang="en-US"/>
           </a:p>
@@ -1884,7 +1884,7 @@
           <a:p>
             <a:fld id="{0CCCE32A-B26F-4A65-858B-872736513CD1}" type="datetimeFigureOut">
               <a:rPr lang="en-US" smtClean="0"/>
-              <a:t>10/12/2020</a:t>
+              <a:t>10/17/2020</a:t>
             </a:fld>
             <a:endParaRPr lang="en-US"/>
           </a:p>
@@ -1979,7 +1979,7 @@
           <a:p>
             <a:fld id="{0CCCE32A-B26F-4A65-858B-872736513CD1}" type="datetimeFigureOut">
               <a:rPr lang="en-US" smtClean="0"/>
-              <a:t>10/12/2020</a:t>
+              <a:t>10/17/2020</a:t>
             </a:fld>
             <a:endParaRPr lang="en-US"/>
           </a:p>
@@ -2254,7 +2254,7 @@
           <a:p>
             <a:fld id="{0CCCE32A-B26F-4A65-858B-872736513CD1}" type="datetimeFigureOut">
               <a:rPr lang="en-US" smtClean="0"/>
-              <a:t>10/12/2020</a:t>
+              <a:t>10/17/2020</a:t>
             </a:fld>
             <a:endParaRPr lang="en-US"/>
           </a:p>
@@ -2506,7 +2506,7 @@
           <a:p>
             <a:fld id="{0CCCE32A-B26F-4A65-858B-872736513CD1}" type="datetimeFigureOut">
               <a:rPr lang="en-US" smtClean="0"/>
-              <a:t>10/12/2020</a:t>
+              <a:t>10/17/2020</a:t>
             </a:fld>
             <a:endParaRPr lang="en-US"/>
           </a:p>
@@ -2740,7 +2740,7 @@
           <a:p>
             <a:fld id="{0CCCE32A-B26F-4A65-858B-872736513CD1}" type="datetimeFigureOut">
               <a:rPr lang="en-US" smtClean="0"/>
-              <a:t>10/12/2020</a:t>
+              <a:t>10/17/2020</a:t>
             </a:fld>
             <a:endParaRPr lang="en-US"/>
           </a:p>
@@ -3329,453 +3329,289 @@
           <a:chExt cx="0" cy="0"/>
         </a:xfrm>
       </p:grpSpPr>
-      <p:grpSp>
-        <p:nvGrpSpPr>
-          <p:cNvPr id="2" name="그룹 1">
+      <p:pic>
+        <p:nvPicPr>
+          <p:cNvPr id="4" name="Picture 3" descr="A person looking at the camera&#10;&#10;Description automatically generated">
             <a:extLst>
               <a:ext uri="{FF2B5EF4-FFF2-40B4-BE49-F238E27FC236}">
-                <a16:creationId xmlns:a16="http://schemas.microsoft.com/office/drawing/2014/main" id="{69B49990-6E6C-4147-8EC3-5869ADB91284}"/>
+                <a16:creationId xmlns:a16="http://schemas.microsoft.com/office/drawing/2014/main" id="{371D48F1-E2D9-4964-AE25-35B9C333AE7C}"/>
               </a:ext>
             </a:extLst>
           </p:cNvPr>
-          <p:cNvGrpSpPr/>
+          <p:cNvPicPr>
+            <a:picLocks noChangeAspect="1"/>
+          </p:cNvPicPr>
           <p:nvPr/>
-        </p:nvGrpSpPr>
-        <p:grpSpPr>
-          <a:xfrm>
-            <a:off x="1182197" y="1243813"/>
-            <a:ext cx="6779606" cy="4370373"/>
-            <a:chOff x="528698" y="823948"/>
-            <a:chExt cx="7844382" cy="5056765"/>
-          </a:xfrm>
-        </p:grpSpPr>
-        <p:pic>
-          <p:nvPicPr>
-            <p:cNvPr id="2050" name="Picture 2"/>
-            <p:cNvPicPr>
-              <a:picLocks noChangeAspect="1" noChangeArrowheads="1"/>
-            </p:cNvPicPr>
-            <p:nvPr/>
-          </p:nvPicPr>
-          <p:blipFill>
-            <a:blip r:embed="rId2">
-              <a:extLst>
-                <a:ext uri="{28A0092B-C50C-407E-A947-70E740481C1C}">
-                  <a14:useLocalDpi xmlns:a14="http://schemas.microsoft.com/office/drawing/2010/main" val="0"/>
-                </a:ext>
-              </a:extLst>
-            </a:blip>
-            <a:srcRect/>
-            <a:stretch>
-              <a:fillRect/>
-            </a:stretch>
-          </p:blipFill>
-          <p:spPr bwMode="auto">
-            <a:xfrm>
-              <a:off x="528698" y="823948"/>
-              <a:ext cx="1881626" cy="2520280"/>
-            </a:xfrm>
-            <a:prstGeom prst="rect">
-              <a:avLst/>
-            </a:prstGeom>
-            <a:noFill/>
-            <a:ln>
-              <a:noFill/>
-            </a:ln>
+        </p:nvPicPr>
+        <p:blipFill>
+          <a:blip r:embed="rId2" cstate="print">
             <a:extLst>
-              <a:ext uri="{909E8E84-426E-40DD-AFC4-6F175D3DCCD1}">
-                <a14:hiddenFill xmlns:a14="http://schemas.microsoft.com/office/drawing/2010/main">
-                  <a:solidFill>
-                    <a:schemeClr val="accent1"/>
-                  </a:solidFill>
-                </a14:hiddenFill>
-              </a:ext>
-              <a:ext uri="{91240B29-F687-4F45-9708-019B960494DF}">
-                <a14:hiddenLine xmlns:a14="http://schemas.microsoft.com/office/drawing/2010/main" w="9525">
-                  <a:solidFill>
-                    <a:schemeClr val="tx1"/>
-                  </a:solidFill>
-                  <a:miter lim="800000"/>
-                  <a:headEnd/>
-                  <a:tailEnd/>
-                </a14:hiddenLine>
+              <a:ext uri="{28A0092B-C50C-407E-A947-70E740481C1C}">
+                <a14:useLocalDpi xmlns:a14="http://schemas.microsoft.com/office/drawing/2010/main" val="0"/>
               </a:ext>
             </a:extLst>
-          </p:spPr>
-        </p:pic>
-        <p:pic>
-          <p:nvPicPr>
-            <p:cNvPr id="2051" name="Picture 3"/>
-            <p:cNvPicPr>
-              <a:picLocks noChangeAspect="1" noChangeArrowheads="1"/>
-            </p:cNvPicPr>
-            <p:nvPr/>
-          </p:nvPicPr>
-          <p:blipFill rotWithShape="1">
-            <a:blip r:embed="rId3">
-              <a:extLst>
-                <a:ext uri="{28A0092B-C50C-407E-A947-70E740481C1C}">
-                  <a14:useLocalDpi xmlns:a14="http://schemas.microsoft.com/office/drawing/2010/main" val="0"/>
-                </a:ext>
-              </a:extLst>
-            </a:blip>
-            <a:srcRect r="778"/>
-            <a:stretch/>
-          </p:blipFill>
-          <p:spPr bwMode="auto">
-            <a:xfrm>
-              <a:off x="4312796" y="823949"/>
-              <a:ext cx="2113040" cy="2520279"/>
-            </a:xfrm>
-            <a:prstGeom prst="rect">
-              <a:avLst/>
-            </a:prstGeom>
-            <a:noFill/>
-            <a:ln>
-              <a:noFill/>
-            </a:ln>
+          </a:blip>
+          <a:stretch>
+            <a:fillRect/>
+          </a:stretch>
+        </p:blipFill>
+        <p:spPr>
+          <a:xfrm>
+            <a:off x="539552" y="953855"/>
+            <a:ext cx="2019369" cy="2016224"/>
+          </a:xfrm>
+          <a:prstGeom prst="rect">
+            <a:avLst/>
+          </a:prstGeom>
+        </p:spPr>
+      </p:pic>
+      <p:pic>
+        <p:nvPicPr>
+          <p:cNvPr id="6" name="Picture 5" descr="A person wearing glasses and smiling at the camera&#10;&#10;Description automatically generated">
             <a:extLst>
-              <a:ext uri="{909E8E84-426E-40DD-AFC4-6F175D3DCCD1}">
-                <a14:hiddenFill xmlns:a14="http://schemas.microsoft.com/office/drawing/2010/main">
-                  <a:solidFill>
-                    <a:schemeClr val="accent1"/>
-                  </a:solidFill>
-                </a14:hiddenFill>
-              </a:ext>
-              <a:ext uri="{91240B29-F687-4F45-9708-019B960494DF}">
-                <a14:hiddenLine xmlns:a14="http://schemas.microsoft.com/office/drawing/2010/main" w="9525">
-                  <a:solidFill>
-                    <a:schemeClr val="tx1"/>
-                  </a:solidFill>
-                  <a:miter lim="800000"/>
-                  <a:headEnd/>
-                  <a:tailEnd/>
-                </a14:hiddenLine>
+              <a:ext uri="{FF2B5EF4-FFF2-40B4-BE49-F238E27FC236}">
+                <a16:creationId xmlns:a16="http://schemas.microsoft.com/office/drawing/2014/main" id="{3908CF70-44FB-4EAA-9D41-5560BFDAE509}"/>
               </a:ext>
             </a:extLst>
-          </p:spPr>
-        </p:pic>
-        <p:pic>
-          <p:nvPicPr>
-            <p:cNvPr id="2053" name="Picture 5"/>
-            <p:cNvPicPr>
-              <a:picLocks noChangeAspect="1" noChangeArrowheads="1"/>
-            </p:cNvPicPr>
-            <p:nvPr/>
-          </p:nvPicPr>
-          <p:blipFill rotWithShape="1">
-            <a:blip r:embed="rId4">
-              <a:extLst>
-                <a:ext uri="{28A0092B-C50C-407E-A947-70E740481C1C}">
-                  <a14:useLocalDpi xmlns:a14="http://schemas.microsoft.com/office/drawing/2010/main" val="0"/>
-                </a:ext>
-              </a:extLst>
-            </a:blip>
-            <a:srcRect t="683" b="511"/>
-            <a:stretch/>
-          </p:blipFill>
-          <p:spPr bwMode="auto">
-            <a:xfrm>
-              <a:off x="6442392" y="823948"/>
-              <a:ext cx="1930688" cy="2520280"/>
-            </a:xfrm>
-            <a:prstGeom prst="rect">
-              <a:avLst/>
-            </a:prstGeom>
-            <a:noFill/>
-            <a:ln>
-              <a:noFill/>
-            </a:ln>
+          </p:cNvPr>
+          <p:cNvPicPr>
+            <a:picLocks noChangeAspect="1"/>
+          </p:cNvPicPr>
+          <p:nvPr/>
+        </p:nvPicPr>
+        <p:blipFill>
+          <a:blip r:embed="rId3">
             <a:extLst>
-              <a:ext uri="{909E8E84-426E-40DD-AFC4-6F175D3DCCD1}">
-                <a14:hiddenFill xmlns:a14="http://schemas.microsoft.com/office/drawing/2010/main">
-                  <a:solidFill>
-                    <a:schemeClr val="accent1"/>
-                  </a:solidFill>
-                </a14:hiddenFill>
-              </a:ext>
-              <a:ext uri="{91240B29-F687-4F45-9708-019B960494DF}">
-                <a14:hiddenLine xmlns:a14="http://schemas.microsoft.com/office/drawing/2010/main" w="9525">
-                  <a:solidFill>
-                    <a:schemeClr val="tx1"/>
-                  </a:solidFill>
-                  <a:miter lim="800000"/>
-                  <a:headEnd/>
-                  <a:tailEnd/>
-                </a14:hiddenLine>
+              <a:ext uri="{28A0092B-C50C-407E-A947-70E740481C1C}">
+                <a14:useLocalDpi xmlns:a14="http://schemas.microsoft.com/office/drawing/2010/main" val="0"/>
               </a:ext>
             </a:extLst>
-          </p:spPr>
-        </p:pic>
-        <p:pic>
-          <p:nvPicPr>
-            <p:cNvPr id="2054" name="Picture 6"/>
-            <p:cNvPicPr>
-              <a:picLocks noChangeAspect="1" noChangeArrowheads="1"/>
-            </p:cNvPicPr>
-            <p:nvPr/>
-          </p:nvPicPr>
-          <p:blipFill>
-            <a:blip r:embed="rId5">
-              <a:extLst>
-                <a:ext uri="{28A0092B-C50C-407E-A947-70E740481C1C}">
-                  <a14:useLocalDpi xmlns:a14="http://schemas.microsoft.com/office/drawing/2010/main" val="0"/>
-                </a:ext>
-              </a:extLst>
-            </a:blip>
-            <a:srcRect/>
-            <a:stretch>
-              <a:fillRect/>
-            </a:stretch>
-          </p:blipFill>
-          <p:spPr bwMode="auto">
-            <a:xfrm>
-              <a:off x="805535" y="3459926"/>
-              <a:ext cx="1899066" cy="2420787"/>
-            </a:xfrm>
-            <a:prstGeom prst="rect">
-              <a:avLst/>
-            </a:prstGeom>
-            <a:noFill/>
-            <a:ln>
-              <a:noFill/>
-            </a:ln>
+          </a:blip>
+          <a:stretch>
+            <a:fillRect/>
+          </a:stretch>
+        </p:blipFill>
+        <p:spPr>
+          <a:xfrm>
+            <a:off x="2836898" y="951011"/>
+            <a:ext cx="2016224" cy="2016224"/>
+          </a:xfrm>
+          <a:prstGeom prst="rect">
+            <a:avLst/>
+          </a:prstGeom>
+        </p:spPr>
+      </p:pic>
+      <p:pic>
+        <p:nvPicPr>
+          <p:cNvPr id="8" name="Picture 7" descr="A person wearing a suit and tie smiling at the camera&#10;&#10;Description automatically generated">
             <a:extLst>
-              <a:ext uri="{909E8E84-426E-40DD-AFC4-6F175D3DCCD1}">
-                <a14:hiddenFill xmlns:a14="http://schemas.microsoft.com/office/drawing/2010/main">
-                  <a:solidFill>
-                    <a:schemeClr val="accent1"/>
-                  </a:solidFill>
-                </a14:hiddenFill>
-              </a:ext>
-              <a:ext uri="{91240B29-F687-4F45-9708-019B960494DF}">
-                <a14:hiddenLine xmlns:a14="http://schemas.microsoft.com/office/drawing/2010/main" w="9525">
-                  <a:solidFill>
-                    <a:schemeClr val="tx1"/>
-                  </a:solidFill>
-                  <a:miter lim="800000"/>
-                  <a:headEnd/>
-                  <a:tailEnd/>
-                </a14:hiddenLine>
+              <a:ext uri="{FF2B5EF4-FFF2-40B4-BE49-F238E27FC236}">
+                <a16:creationId xmlns:a16="http://schemas.microsoft.com/office/drawing/2014/main" id="{938EE7BF-D63B-46F6-8AA9-C05C33E36F28}"/>
               </a:ext>
             </a:extLst>
-          </p:spPr>
-        </p:pic>
-        <p:pic>
-          <p:nvPicPr>
-            <p:cNvPr id="2055" name="Picture 7"/>
-            <p:cNvPicPr>
-              <a:picLocks noChangeAspect="1" noChangeArrowheads="1"/>
-            </p:cNvPicPr>
-            <p:nvPr/>
-          </p:nvPicPr>
-          <p:blipFill>
-            <a:blip r:embed="rId6">
-              <a:extLst>
-                <a:ext uri="{28A0092B-C50C-407E-A947-70E740481C1C}">
-                  <a14:useLocalDpi xmlns:a14="http://schemas.microsoft.com/office/drawing/2010/main" val="0"/>
-                </a:ext>
-              </a:extLst>
-            </a:blip>
-            <a:srcRect/>
-            <a:stretch>
-              <a:fillRect/>
-            </a:stretch>
-          </p:blipFill>
-          <p:spPr bwMode="auto">
-            <a:xfrm>
-              <a:off x="2733318" y="3467831"/>
-              <a:ext cx="1793181" cy="2412882"/>
-            </a:xfrm>
-            <a:prstGeom prst="rect">
-              <a:avLst/>
-            </a:prstGeom>
-            <a:noFill/>
-            <a:ln>
-              <a:noFill/>
-            </a:ln>
+          </p:cNvPr>
+          <p:cNvPicPr>
+            <a:picLocks noChangeAspect="1"/>
+          </p:cNvPicPr>
+          <p:nvPr/>
+        </p:nvPicPr>
+        <p:blipFill rotWithShape="1">
+          <a:blip r:embed="rId4" cstate="print">
             <a:extLst>
-              <a:ext uri="{909E8E84-426E-40DD-AFC4-6F175D3DCCD1}">
-                <a14:hiddenFill xmlns:a14="http://schemas.microsoft.com/office/drawing/2010/main">
-                  <a:solidFill>
-                    <a:schemeClr val="accent1"/>
-                  </a:solidFill>
-                </a14:hiddenFill>
-              </a:ext>
-              <a:ext uri="{91240B29-F687-4F45-9708-019B960494DF}">
-                <a14:hiddenLine xmlns:a14="http://schemas.microsoft.com/office/drawing/2010/main" w="9525">
-                  <a:solidFill>
-                    <a:schemeClr val="tx1"/>
-                  </a:solidFill>
-                  <a:miter lim="800000"/>
-                  <a:headEnd/>
-                  <a:tailEnd/>
-                </a14:hiddenLine>
+              <a:ext uri="{28A0092B-C50C-407E-A947-70E740481C1C}">
+                <a14:useLocalDpi xmlns:a14="http://schemas.microsoft.com/office/drawing/2010/main" val="0"/>
               </a:ext>
             </a:extLst>
-          </p:spPr>
-        </p:pic>
-        <p:pic>
-          <p:nvPicPr>
-            <p:cNvPr id="2056" name="Picture 8"/>
-            <p:cNvPicPr>
-              <a:picLocks noChangeAspect="1" noChangeArrowheads="1"/>
-            </p:cNvPicPr>
-            <p:nvPr/>
-          </p:nvPicPr>
-          <p:blipFill>
-            <a:blip r:embed="rId7">
-              <a:extLst>
-                <a:ext uri="{28A0092B-C50C-407E-A947-70E740481C1C}">
-                  <a14:useLocalDpi xmlns:a14="http://schemas.microsoft.com/office/drawing/2010/main" val="0"/>
-                </a:ext>
-              </a:extLst>
-            </a:blip>
-            <a:srcRect/>
-            <a:stretch>
-              <a:fillRect/>
-            </a:stretch>
-          </p:blipFill>
-          <p:spPr bwMode="auto">
-            <a:xfrm>
-              <a:off x="2415151" y="823948"/>
-              <a:ext cx="1885031" cy="2520280"/>
-            </a:xfrm>
-            <a:prstGeom prst="rect">
-              <a:avLst/>
-            </a:prstGeom>
-            <a:noFill/>
-            <a:ln>
-              <a:noFill/>
-            </a:ln>
+          </a:blip>
+          <a:srcRect l="5500" r="7288"/>
+          <a:stretch/>
+        </p:blipFill>
+        <p:spPr>
+          <a:xfrm>
+            <a:off x="5131099" y="951011"/>
+            <a:ext cx="1761143" cy="2016223"/>
+          </a:xfrm>
+          <a:prstGeom prst="rect">
+            <a:avLst/>
+          </a:prstGeom>
+        </p:spPr>
+      </p:pic>
+      <p:pic>
+        <p:nvPicPr>
+          <p:cNvPr id="10" name="Picture 9" descr="A person looking at the camera&#10;&#10;Description automatically generated">
             <a:extLst>
-              <a:ext uri="{909E8E84-426E-40DD-AFC4-6F175D3DCCD1}">
-                <a14:hiddenFill xmlns:a14="http://schemas.microsoft.com/office/drawing/2010/main">
-                  <a:solidFill>
-                    <a:schemeClr val="accent1"/>
-                  </a:solidFill>
-                </a14:hiddenFill>
-              </a:ext>
-              <a:ext uri="{91240B29-F687-4F45-9708-019B960494DF}">
-                <a14:hiddenLine xmlns:a14="http://schemas.microsoft.com/office/drawing/2010/main" w="9525">
-                  <a:solidFill>
-                    <a:schemeClr val="tx1"/>
-                  </a:solidFill>
-                  <a:miter lim="800000"/>
-                  <a:headEnd/>
-                  <a:tailEnd/>
-                </a14:hiddenLine>
+              <a:ext uri="{FF2B5EF4-FFF2-40B4-BE49-F238E27FC236}">
+                <a16:creationId xmlns:a16="http://schemas.microsoft.com/office/drawing/2014/main" id="{2FA96266-3E7D-4BC5-9D8B-4AFAD1C51DF0}"/>
               </a:ext>
             </a:extLst>
-          </p:spPr>
-        </p:pic>
-        <p:pic>
-          <p:nvPicPr>
-            <p:cNvPr id="2057" name="Picture 9"/>
-            <p:cNvPicPr>
-              <a:picLocks noChangeAspect="1" noChangeArrowheads="1"/>
-            </p:cNvPicPr>
-            <p:nvPr/>
-          </p:nvPicPr>
-          <p:blipFill>
-            <a:blip r:embed="rId8">
-              <a:extLst>
-                <a:ext uri="{28A0092B-C50C-407E-A947-70E740481C1C}">
-                  <a14:useLocalDpi xmlns:a14="http://schemas.microsoft.com/office/drawing/2010/main" val="0"/>
-                </a:ext>
-              </a:extLst>
-            </a:blip>
-            <a:srcRect/>
-            <a:stretch>
-              <a:fillRect/>
-            </a:stretch>
-          </p:blipFill>
-          <p:spPr bwMode="auto">
-            <a:xfrm>
-              <a:off x="4589631" y="3432441"/>
-              <a:ext cx="1836204" cy="2448272"/>
-            </a:xfrm>
-            <a:prstGeom prst="rect">
-              <a:avLst/>
-            </a:prstGeom>
-            <a:noFill/>
-            <a:ln>
-              <a:noFill/>
-            </a:ln>
+          </p:cNvPr>
+          <p:cNvPicPr>
+            <a:picLocks noChangeAspect="1"/>
+          </p:cNvPicPr>
+          <p:nvPr/>
+        </p:nvPicPr>
+        <p:blipFill rotWithShape="1">
+          <a:blip r:embed="rId5" cstate="print">
             <a:extLst>
-              <a:ext uri="{909E8E84-426E-40DD-AFC4-6F175D3DCCD1}">
-                <a14:hiddenFill xmlns:a14="http://schemas.microsoft.com/office/drawing/2010/main">
-                  <a:solidFill>
-                    <a:schemeClr val="accent1"/>
-                  </a:solidFill>
-                </a14:hiddenFill>
-              </a:ext>
-              <a:ext uri="{91240B29-F687-4F45-9708-019B960494DF}">
-                <a14:hiddenLine xmlns:a14="http://schemas.microsoft.com/office/drawing/2010/main" w="9525">
-                  <a:solidFill>
-                    <a:schemeClr val="tx1"/>
-                  </a:solidFill>
-                  <a:miter lim="800000"/>
-                  <a:headEnd/>
-                  <a:tailEnd/>
-                </a14:hiddenLine>
+              <a:ext uri="{28A0092B-C50C-407E-A947-70E740481C1C}">
+                <a14:useLocalDpi xmlns:a14="http://schemas.microsoft.com/office/drawing/2010/main" val="0"/>
               </a:ext>
             </a:extLst>
-          </p:spPr>
-        </p:pic>
-        <p:pic>
-          <p:nvPicPr>
-            <p:cNvPr id="2058" name="Picture 10"/>
-            <p:cNvPicPr>
-              <a:picLocks noChangeAspect="1" noChangeArrowheads="1"/>
-            </p:cNvPicPr>
-            <p:nvPr/>
-          </p:nvPicPr>
-          <p:blipFill rotWithShape="1">
-            <a:blip r:embed="rId9">
-              <a:extLst>
-                <a:ext uri="{28A0092B-C50C-407E-A947-70E740481C1C}">
-                  <a14:useLocalDpi xmlns:a14="http://schemas.microsoft.com/office/drawing/2010/main" val="0"/>
-                </a:ext>
-              </a:extLst>
-            </a:blip>
-            <a:srcRect t="1262"/>
-            <a:stretch/>
-          </p:blipFill>
-          <p:spPr bwMode="auto">
-            <a:xfrm>
-              <a:off x="6444208" y="3459926"/>
-              <a:ext cx="1636459" cy="2420787"/>
-            </a:xfrm>
-            <a:prstGeom prst="rect">
-              <a:avLst/>
-            </a:prstGeom>
-            <a:noFill/>
-            <a:ln>
-              <a:noFill/>
-            </a:ln>
+          </a:blip>
+          <a:srcRect l="12525" r="12475"/>
+          <a:stretch/>
+        </p:blipFill>
+        <p:spPr>
+          <a:xfrm>
+            <a:off x="7170219" y="951011"/>
+            <a:ext cx="1512168" cy="2016222"/>
+          </a:xfrm>
+          <a:prstGeom prst="rect">
+            <a:avLst/>
+          </a:prstGeom>
+        </p:spPr>
+      </p:pic>
+      <p:pic>
+        <p:nvPicPr>
+          <p:cNvPr id="12" name="Picture 11" descr="A person standing on a table&#10;&#10;Description automatically generated">
             <a:extLst>
-              <a:ext uri="{909E8E84-426E-40DD-AFC4-6F175D3DCCD1}">
-                <a14:hiddenFill xmlns:a14="http://schemas.microsoft.com/office/drawing/2010/main">
-                  <a:solidFill>
-                    <a:schemeClr val="accent1"/>
-                  </a:solidFill>
-                </a14:hiddenFill>
-              </a:ext>
-              <a:ext uri="{91240B29-F687-4F45-9708-019B960494DF}">
-                <a14:hiddenLine xmlns:a14="http://schemas.microsoft.com/office/drawing/2010/main" w="9525">
-                  <a:solidFill>
-                    <a:schemeClr val="tx1"/>
-                  </a:solidFill>
-                  <a:miter lim="800000"/>
-                  <a:headEnd/>
-                  <a:tailEnd/>
-                </a14:hiddenLine>
+              <a:ext uri="{FF2B5EF4-FFF2-40B4-BE49-F238E27FC236}">
+                <a16:creationId xmlns:a16="http://schemas.microsoft.com/office/drawing/2014/main" id="{FB1F51BF-8F17-4081-89C2-6CE960483B6C}"/>
               </a:ext>
             </a:extLst>
-          </p:spPr>
-        </p:pic>
-      </p:grpSp>
+          </p:cNvPr>
+          <p:cNvPicPr>
+            <a:picLocks noChangeAspect="1"/>
+          </p:cNvPicPr>
+          <p:nvPr/>
+        </p:nvPicPr>
+        <p:blipFill>
+          <a:blip r:embed="rId6" cstate="print">
+            <a:extLst>
+              <a:ext uri="{28A0092B-C50C-407E-A947-70E740481C1C}">
+                <a14:useLocalDpi xmlns:a14="http://schemas.microsoft.com/office/drawing/2010/main" val="0"/>
+              </a:ext>
+            </a:extLst>
+          </a:blip>
+          <a:stretch>
+            <a:fillRect/>
+          </a:stretch>
+        </p:blipFill>
+        <p:spPr>
+          <a:xfrm>
+            <a:off x="109076" y="3573016"/>
+            <a:ext cx="2019369" cy="2016224"/>
+          </a:xfrm>
+          <a:prstGeom prst="rect">
+            <a:avLst/>
+          </a:prstGeom>
+        </p:spPr>
+      </p:pic>
+      <p:pic>
+        <p:nvPicPr>
+          <p:cNvPr id="14" name="Picture 13" descr="A person posing for the camera&#10;&#10;Description automatically generated">
+            <a:extLst>
+              <a:ext uri="{FF2B5EF4-FFF2-40B4-BE49-F238E27FC236}">
+                <a16:creationId xmlns:a16="http://schemas.microsoft.com/office/drawing/2014/main" id="{37D0542B-71C3-4252-9B4E-9558674DF7CF}"/>
+              </a:ext>
+            </a:extLst>
+          </p:cNvPr>
+          <p:cNvPicPr>
+            <a:picLocks noChangeAspect="1"/>
+          </p:cNvPicPr>
+          <p:nvPr/>
+        </p:nvPicPr>
+        <p:blipFill rotWithShape="1">
+          <a:blip r:embed="rId7" cstate="print">
+            <a:extLst>
+              <a:ext uri="{28A0092B-C50C-407E-A947-70E740481C1C}">
+                <a14:useLocalDpi xmlns:a14="http://schemas.microsoft.com/office/drawing/2010/main" val="0"/>
+              </a:ext>
+            </a:extLst>
+          </a:blip>
+          <a:srcRect l="14079" r="14603"/>
+          <a:stretch/>
+        </p:blipFill>
+        <p:spPr>
+          <a:xfrm>
+            <a:off x="2411759" y="3570420"/>
+            <a:ext cx="1440161" cy="2016224"/>
+          </a:xfrm>
+          <a:prstGeom prst="rect">
+            <a:avLst/>
+          </a:prstGeom>
+        </p:spPr>
+      </p:pic>
+      <p:pic>
+        <p:nvPicPr>
+          <p:cNvPr id="16" name="Picture 15" descr="A person wearing a suit and tie&#10;&#10;Description automatically generated">
+            <a:extLst>
+              <a:ext uri="{FF2B5EF4-FFF2-40B4-BE49-F238E27FC236}">
+                <a16:creationId xmlns:a16="http://schemas.microsoft.com/office/drawing/2014/main" id="{E712BACB-11D7-4883-9D52-1F6C5F0CFEDC}"/>
+              </a:ext>
+            </a:extLst>
+          </p:cNvPr>
+          <p:cNvPicPr>
+            <a:picLocks noChangeAspect="1"/>
+          </p:cNvPicPr>
+          <p:nvPr/>
+        </p:nvPicPr>
+        <p:blipFill rotWithShape="1">
+          <a:blip r:embed="rId8" cstate="print">
+            <a:extLst>
+              <a:ext uri="{28A0092B-C50C-407E-A947-70E740481C1C}">
+                <a14:useLocalDpi xmlns:a14="http://schemas.microsoft.com/office/drawing/2010/main" val="0"/>
+              </a:ext>
+            </a:extLst>
+          </a:blip>
+          <a:srcRect l="5500" r="7288"/>
+          <a:stretch/>
+        </p:blipFill>
+        <p:spPr>
+          <a:xfrm>
+            <a:off x="5691176" y="3573017"/>
+            <a:ext cx="1761143" cy="2016223"/>
+          </a:xfrm>
+          <a:prstGeom prst="rect">
+            <a:avLst/>
+          </a:prstGeom>
+        </p:spPr>
+      </p:pic>
+      <p:pic>
+        <p:nvPicPr>
+          <p:cNvPr id="18" name="Picture 17" descr="A person posing for the camera&#10;&#10;Description automatically generated">
+            <a:extLst>
+              <a:ext uri="{FF2B5EF4-FFF2-40B4-BE49-F238E27FC236}">
+                <a16:creationId xmlns:a16="http://schemas.microsoft.com/office/drawing/2014/main" id="{3B3324A4-9D7D-4330-9DA8-172C4B191205}"/>
+              </a:ext>
+            </a:extLst>
+          </p:cNvPr>
+          <p:cNvPicPr>
+            <a:picLocks noChangeAspect="1"/>
+          </p:cNvPicPr>
+          <p:nvPr/>
+        </p:nvPicPr>
+        <p:blipFill rotWithShape="1">
+          <a:blip r:embed="rId9" cstate="print">
+            <a:extLst>
+              <a:ext uri="{28A0092B-C50C-407E-A947-70E740481C1C}">
+                <a14:useLocalDpi xmlns:a14="http://schemas.microsoft.com/office/drawing/2010/main" val="0"/>
+              </a:ext>
+            </a:extLst>
+          </a:blip>
+          <a:srcRect l="17858" r="17935"/>
+          <a:stretch/>
+        </p:blipFill>
+        <p:spPr>
+          <a:xfrm>
+            <a:off x="7740352" y="3570421"/>
+            <a:ext cx="1294572" cy="2016222"/>
+          </a:xfrm>
+          <a:prstGeom prst="rect">
+            <a:avLst/>
+          </a:prstGeom>
+        </p:spPr>
+      </p:pic>
     </p:spTree>
     <p:extLst>
       <p:ext uri="{BB962C8B-B14F-4D97-AF65-F5344CB8AC3E}">

--- a/static/img/Specials/onDemandHeadPhotosPlenariesAndKeynotes.pptx
+++ b/static/img/Specials/onDemandHeadPhotosPlenariesAndKeynotes.pptx
@@ -7,6 +7,7 @@
   <p:sldIdLst>
     <p:sldId id="256" r:id="rId2"/>
     <p:sldId id="257" r:id="rId3"/>
+    <p:sldId id="258" r:id="rId4"/>
   </p:sldIdLst>
   <p:sldSz cx="9144000" cy="6858000" type="screen4x3"/>
   <p:notesSz cx="6858000" cy="9144000"/>
@@ -303,7 +304,7 @@
           <a:p>
             <a:fld id="{0CCCE32A-B26F-4A65-858B-872736513CD1}" type="datetimeFigureOut">
               <a:rPr lang="en-US" smtClean="0"/>
-              <a:t>7/25/2020</a:t>
+              <a:t>10/17/2020</a:t>
             </a:fld>
             <a:endParaRPr lang="en-US"/>
           </a:p>
@@ -471,7 +472,7 @@
           <a:p>
             <a:fld id="{0CCCE32A-B26F-4A65-858B-872736513CD1}" type="datetimeFigureOut">
               <a:rPr lang="en-US" smtClean="0"/>
-              <a:t>7/25/2020</a:t>
+              <a:t>10/17/2020</a:t>
             </a:fld>
             <a:endParaRPr lang="en-US"/>
           </a:p>
@@ -649,7 +650,7 @@
           <a:p>
             <a:fld id="{0CCCE32A-B26F-4A65-858B-872736513CD1}" type="datetimeFigureOut">
               <a:rPr lang="en-US" smtClean="0"/>
-              <a:t>7/25/2020</a:t>
+              <a:t>10/17/2020</a:t>
             </a:fld>
             <a:endParaRPr lang="en-US"/>
           </a:p>
@@ -817,7 +818,7 @@
           <a:p>
             <a:fld id="{0CCCE32A-B26F-4A65-858B-872736513CD1}" type="datetimeFigureOut">
               <a:rPr lang="en-US" smtClean="0"/>
-              <a:t>7/25/2020</a:t>
+              <a:t>10/17/2020</a:t>
             </a:fld>
             <a:endParaRPr lang="en-US"/>
           </a:p>
@@ -1062,7 +1063,7 @@
           <a:p>
             <a:fld id="{0CCCE32A-B26F-4A65-858B-872736513CD1}" type="datetimeFigureOut">
               <a:rPr lang="en-US" smtClean="0"/>
-              <a:t>7/25/2020</a:t>
+              <a:t>10/17/2020</a:t>
             </a:fld>
             <a:endParaRPr lang="en-US"/>
           </a:p>
@@ -1347,7 +1348,7 @@
           <a:p>
             <a:fld id="{0CCCE32A-B26F-4A65-858B-872736513CD1}" type="datetimeFigureOut">
               <a:rPr lang="en-US" smtClean="0"/>
-              <a:t>7/25/2020</a:t>
+              <a:t>10/17/2020</a:t>
             </a:fld>
             <a:endParaRPr lang="en-US"/>
           </a:p>
@@ -1766,7 +1767,7 @@
           <a:p>
             <a:fld id="{0CCCE32A-B26F-4A65-858B-872736513CD1}" type="datetimeFigureOut">
               <a:rPr lang="en-US" smtClean="0"/>
-              <a:t>7/25/2020</a:t>
+              <a:t>10/17/2020</a:t>
             </a:fld>
             <a:endParaRPr lang="en-US"/>
           </a:p>
@@ -1883,7 +1884,7 @@
           <a:p>
             <a:fld id="{0CCCE32A-B26F-4A65-858B-872736513CD1}" type="datetimeFigureOut">
               <a:rPr lang="en-US" smtClean="0"/>
-              <a:t>7/25/2020</a:t>
+              <a:t>10/17/2020</a:t>
             </a:fld>
             <a:endParaRPr lang="en-US"/>
           </a:p>
@@ -1978,7 +1979,7 @@
           <a:p>
             <a:fld id="{0CCCE32A-B26F-4A65-858B-872736513CD1}" type="datetimeFigureOut">
               <a:rPr lang="en-US" smtClean="0"/>
-              <a:t>7/25/2020</a:t>
+              <a:t>10/17/2020</a:t>
             </a:fld>
             <a:endParaRPr lang="en-US"/>
           </a:p>
@@ -2253,7 +2254,7 @@
           <a:p>
             <a:fld id="{0CCCE32A-B26F-4A65-858B-872736513CD1}" type="datetimeFigureOut">
               <a:rPr lang="en-US" smtClean="0"/>
-              <a:t>7/25/2020</a:t>
+              <a:t>10/17/2020</a:t>
             </a:fld>
             <a:endParaRPr lang="en-US"/>
           </a:p>
@@ -2505,7 +2506,7 @@
           <a:p>
             <a:fld id="{0CCCE32A-B26F-4A65-858B-872736513CD1}" type="datetimeFigureOut">
               <a:rPr lang="en-US" smtClean="0"/>
-              <a:t>7/25/2020</a:t>
+              <a:t>10/17/2020</a:t>
             </a:fld>
             <a:endParaRPr lang="en-US"/>
           </a:p>
@@ -2739,7 +2740,7 @@
           <a:p>
             <a:fld id="{0CCCE32A-B26F-4A65-858B-872736513CD1}" type="datetimeFigureOut">
               <a:rPr lang="en-US" smtClean="0"/>
-              <a:t>7/25/2020</a:t>
+              <a:t>10/17/2020</a:t>
             </a:fld>
             <a:endParaRPr lang="en-US"/>
           </a:p>
@@ -3328,457 +3329,482 @@
           <a:chExt cx="0" cy="0"/>
         </a:xfrm>
       </p:grpSpPr>
-      <p:grpSp>
-        <p:nvGrpSpPr>
-          <p:cNvPr id="2" name="그룹 1">
+      <p:pic>
+        <p:nvPicPr>
+          <p:cNvPr id="4" name="Picture 3" descr="A person looking at the camera&#10;&#10;Description automatically generated">
             <a:extLst>
               <a:ext uri="{FF2B5EF4-FFF2-40B4-BE49-F238E27FC236}">
-                <a16:creationId xmlns:a16="http://schemas.microsoft.com/office/drawing/2014/main" id="{69B49990-6E6C-4147-8EC3-5869ADB91284}"/>
+                <a16:creationId xmlns:a16="http://schemas.microsoft.com/office/drawing/2014/main" id="{371D48F1-E2D9-4964-AE25-35B9C333AE7C}"/>
               </a:ext>
             </a:extLst>
           </p:cNvPr>
-          <p:cNvGrpSpPr/>
+          <p:cNvPicPr>
+            <a:picLocks noChangeAspect="1"/>
+          </p:cNvPicPr>
           <p:nvPr/>
-        </p:nvGrpSpPr>
-        <p:grpSpPr>
-          <a:xfrm>
-            <a:off x="1182197" y="1243813"/>
-            <a:ext cx="6779606" cy="4370373"/>
-            <a:chOff x="528698" y="823948"/>
-            <a:chExt cx="7844382" cy="5056765"/>
-          </a:xfrm>
-        </p:grpSpPr>
-        <p:pic>
-          <p:nvPicPr>
-            <p:cNvPr id="2050" name="Picture 2"/>
-            <p:cNvPicPr>
-              <a:picLocks noChangeAspect="1" noChangeArrowheads="1"/>
-            </p:cNvPicPr>
-            <p:nvPr/>
-          </p:nvPicPr>
-          <p:blipFill>
-            <a:blip r:embed="rId2">
-              <a:extLst>
-                <a:ext uri="{28A0092B-C50C-407E-A947-70E740481C1C}">
-                  <a14:useLocalDpi xmlns:a14="http://schemas.microsoft.com/office/drawing/2010/main" val="0"/>
-                </a:ext>
-              </a:extLst>
-            </a:blip>
-            <a:srcRect/>
-            <a:stretch>
-              <a:fillRect/>
-            </a:stretch>
-          </p:blipFill>
-          <p:spPr bwMode="auto">
-            <a:xfrm>
-              <a:off x="528698" y="823948"/>
-              <a:ext cx="1881626" cy="2520280"/>
-            </a:xfrm>
-            <a:prstGeom prst="rect">
-              <a:avLst/>
-            </a:prstGeom>
-            <a:noFill/>
-            <a:ln>
-              <a:noFill/>
-            </a:ln>
+        </p:nvPicPr>
+        <p:blipFill>
+          <a:blip r:embed="rId2" cstate="print">
             <a:extLst>
-              <a:ext uri="{909E8E84-426E-40DD-AFC4-6F175D3DCCD1}">
-                <a14:hiddenFill xmlns:a14="http://schemas.microsoft.com/office/drawing/2010/main">
-                  <a:solidFill>
-                    <a:schemeClr val="accent1"/>
-                  </a:solidFill>
-                </a14:hiddenFill>
-              </a:ext>
-              <a:ext uri="{91240B29-F687-4F45-9708-019B960494DF}">
-                <a14:hiddenLine xmlns:a14="http://schemas.microsoft.com/office/drawing/2010/main" w="9525">
-                  <a:solidFill>
-                    <a:schemeClr val="tx1"/>
-                  </a:solidFill>
-                  <a:miter lim="800000"/>
-                  <a:headEnd/>
-                  <a:tailEnd/>
-                </a14:hiddenLine>
+              <a:ext uri="{28A0092B-C50C-407E-A947-70E740481C1C}">
+                <a14:useLocalDpi xmlns:a14="http://schemas.microsoft.com/office/drawing/2010/main" val="0"/>
               </a:ext>
             </a:extLst>
-          </p:spPr>
-        </p:pic>
-        <p:pic>
-          <p:nvPicPr>
-            <p:cNvPr id="2051" name="Picture 3"/>
-            <p:cNvPicPr>
-              <a:picLocks noChangeAspect="1" noChangeArrowheads="1"/>
-            </p:cNvPicPr>
-            <p:nvPr/>
-          </p:nvPicPr>
-          <p:blipFill rotWithShape="1">
-            <a:blip r:embed="rId3">
-              <a:extLst>
-                <a:ext uri="{28A0092B-C50C-407E-A947-70E740481C1C}">
-                  <a14:useLocalDpi xmlns:a14="http://schemas.microsoft.com/office/drawing/2010/main" val="0"/>
-                </a:ext>
-              </a:extLst>
-            </a:blip>
-            <a:srcRect r="778"/>
-            <a:stretch/>
-          </p:blipFill>
-          <p:spPr bwMode="auto">
-            <a:xfrm>
-              <a:off x="4312796" y="823949"/>
-              <a:ext cx="2113040" cy="2520279"/>
-            </a:xfrm>
-            <a:prstGeom prst="rect">
-              <a:avLst/>
-            </a:prstGeom>
-            <a:noFill/>
-            <a:ln>
-              <a:noFill/>
-            </a:ln>
+          </a:blip>
+          <a:stretch>
+            <a:fillRect/>
+          </a:stretch>
+        </p:blipFill>
+        <p:spPr>
+          <a:xfrm>
+            <a:off x="539552" y="953855"/>
+            <a:ext cx="2019369" cy="2016224"/>
+          </a:xfrm>
+          <a:prstGeom prst="rect">
+            <a:avLst/>
+          </a:prstGeom>
+        </p:spPr>
+      </p:pic>
+      <p:pic>
+        <p:nvPicPr>
+          <p:cNvPr id="6" name="Picture 5" descr="A person wearing glasses and smiling at the camera&#10;&#10;Description automatically generated">
             <a:extLst>
-              <a:ext uri="{909E8E84-426E-40DD-AFC4-6F175D3DCCD1}">
-                <a14:hiddenFill xmlns:a14="http://schemas.microsoft.com/office/drawing/2010/main">
-                  <a:solidFill>
-                    <a:schemeClr val="accent1"/>
-                  </a:solidFill>
-                </a14:hiddenFill>
-              </a:ext>
-              <a:ext uri="{91240B29-F687-4F45-9708-019B960494DF}">
-                <a14:hiddenLine xmlns:a14="http://schemas.microsoft.com/office/drawing/2010/main" w="9525">
-                  <a:solidFill>
-                    <a:schemeClr val="tx1"/>
-                  </a:solidFill>
-                  <a:miter lim="800000"/>
-                  <a:headEnd/>
-                  <a:tailEnd/>
-                </a14:hiddenLine>
+              <a:ext uri="{FF2B5EF4-FFF2-40B4-BE49-F238E27FC236}">
+                <a16:creationId xmlns:a16="http://schemas.microsoft.com/office/drawing/2014/main" id="{3908CF70-44FB-4EAA-9D41-5560BFDAE509}"/>
               </a:ext>
             </a:extLst>
-          </p:spPr>
-        </p:pic>
-        <p:pic>
-          <p:nvPicPr>
-            <p:cNvPr id="2053" name="Picture 5"/>
-            <p:cNvPicPr>
-              <a:picLocks noChangeAspect="1" noChangeArrowheads="1"/>
-            </p:cNvPicPr>
-            <p:nvPr/>
-          </p:nvPicPr>
-          <p:blipFill rotWithShape="1">
-            <a:blip r:embed="rId4">
-              <a:extLst>
-                <a:ext uri="{28A0092B-C50C-407E-A947-70E740481C1C}">
-                  <a14:useLocalDpi xmlns:a14="http://schemas.microsoft.com/office/drawing/2010/main" val="0"/>
-                </a:ext>
-              </a:extLst>
-            </a:blip>
-            <a:srcRect t="683" b="511"/>
-            <a:stretch/>
-          </p:blipFill>
-          <p:spPr bwMode="auto">
-            <a:xfrm>
-              <a:off x="6442392" y="823948"/>
-              <a:ext cx="1930688" cy="2520280"/>
-            </a:xfrm>
-            <a:prstGeom prst="rect">
-              <a:avLst/>
-            </a:prstGeom>
-            <a:noFill/>
-            <a:ln>
-              <a:noFill/>
-            </a:ln>
+          </p:cNvPr>
+          <p:cNvPicPr>
+            <a:picLocks noChangeAspect="1"/>
+          </p:cNvPicPr>
+          <p:nvPr/>
+        </p:nvPicPr>
+        <p:blipFill>
+          <a:blip r:embed="rId3">
             <a:extLst>
-              <a:ext uri="{909E8E84-426E-40DD-AFC4-6F175D3DCCD1}">
-                <a14:hiddenFill xmlns:a14="http://schemas.microsoft.com/office/drawing/2010/main">
-                  <a:solidFill>
-                    <a:schemeClr val="accent1"/>
-                  </a:solidFill>
-                </a14:hiddenFill>
-              </a:ext>
-              <a:ext uri="{91240B29-F687-4F45-9708-019B960494DF}">
-                <a14:hiddenLine xmlns:a14="http://schemas.microsoft.com/office/drawing/2010/main" w="9525">
-                  <a:solidFill>
-                    <a:schemeClr val="tx1"/>
-                  </a:solidFill>
-                  <a:miter lim="800000"/>
-                  <a:headEnd/>
-                  <a:tailEnd/>
-                </a14:hiddenLine>
+              <a:ext uri="{28A0092B-C50C-407E-A947-70E740481C1C}">
+                <a14:useLocalDpi xmlns:a14="http://schemas.microsoft.com/office/drawing/2010/main" val="0"/>
               </a:ext>
             </a:extLst>
-          </p:spPr>
-        </p:pic>
-        <p:pic>
-          <p:nvPicPr>
-            <p:cNvPr id="2054" name="Picture 6"/>
-            <p:cNvPicPr>
-              <a:picLocks noChangeAspect="1" noChangeArrowheads="1"/>
-            </p:cNvPicPr>
-            <p:nvPr/>
-          </p:nvPicPr>
-          <p:blipFill>
-            <a:blip r:embed="rId5">
-              <a:extLst>
-                <a:ext uri="{28A0092B-C50C-407E-A947-70E740481C1C}">
-                  <a14:useLocalDpi xmlns:a14="http://schemas.microsoft.com/office/drawing/2010/main" val="0"/>
-                </a:ext>
-              </a:extLst>
-            </a:blip>
-            <a:srcRect/>
-            <a:stretch>
-              <a:fillRect/>
-            </a:stretch>
-          </p:blipFill>
-          <p:spPr bwMode="auto">
-            <a:xfrm>
-              <a:off x="805535" y="3459926"/>
-              <a:ext cx="1899066" cy="2420787"/>
-            </a:xfrm>
-            <a:prstGeom prst="rect">
-              <a:avLst/>
-            </a:prstGeom>
-            <a:noFill/>
-            <a:ln>
-              <a:noFill/>
-            </a:ln>
+          </a:blip>
+          <a:stretch>
+            <a:fillRect/>
+          </a:stretch>
+        </p:blipFill>
+        <p:spPr>
+          <a:xfrm>
+            <a:off x="2836898" y="951011"/>
+            <a:ext cx="2016224" cy="2016224"/>
+          </a:xfrm>
+          <a:prstGeom prst="rect">
+            <a:avLst/>
+          </a:prstGeom>
+        </p:spPr>
+      </p:pic>
+      <p:pic>
+        <p:nvPicPr>
+          <p:cNvPr id="8" name="Picture 7" descr="A person wearing a suit and tie smiling at the camera&#10;&#10;Description automatically generated">
             <a:extLst>
-              <a:ext uri="{909E8E84-426E-40DD-AFC4-6F175D3DCCD1}">
-                <a14:hiddenFill xmlns:a14="http://schemas.microsoft.com/office/drawing/2010/main">
-                  <a:solidFill>
-                    <a:schemeClr val="accent1"/>
-                  </a:solidFill>
-                </a14:hiddenFill>
-              </a:ext>
-              <a:ext uri="{91240B29-F687-4F45-9708-019B960494DF}">
-                <a14:hiddenLine xmlns:a14="http://schemas.microsoft.com/office/drawing/2010/main" w="9525">
-                  <a:solidFill>
-                    <a:schemeClr val="tx1"/>
-                  </a:solidFill>
-                  <a:miter lim="800000"/>
-                  <a:headEnd/>
-                  <a:tailEnd/>
-                </a14:hiddenLine>
+              <a:ext uri="{FF2B5EF4-FFF2-40B4-BE49-F238E27FC236}">
+                <a16:creationId xmlns:a16="http://schemas.microsoft.com/office/drawing/2014/main" id="{938EE7BF-D63B-46F6-8AA9-C05C33E36F28}"/>
               </a:ext>
             </a:extLst>
-          </p:spPr>
-        </p:pic>
-        <p:pic>
-          <p:nvPicPr>
-            <p:cNvPr id="2055" name="Picture 7"/>
-            <p:cNvPicPr>
-              <a:picLocks noChangeAspect="1" noChangeArrowheads="1"/>
-            </p:cNvPicPr>
-            <p:nvPr/>
-          </p:nvPicPr>
-          <p:blipFill>
-            <a:blip r:embed="rId6">
-              <a:extLst>
-                <a:ext uri="{28A0092B-C50C-407E-A947-70E740481C1C}">
-                  <a14:useLocalDpi xmlns:a14="http://schemas.microsoft.com/office/drawing/2010/main" val="0"/>
-                </a:ext>
-              </a:extLst>
-            </a:blip>
-            <a:srcRect/>
-            <a:stretch>
-              <a:fillRect/>
-            </a:stretch>
-          </p:blipFill>
-          <p:spPr bwMode="auto">
-            <a:xfrm>
-              <a:off x="2733318" y="3467831"/>
-              <a:ext cx="1793181" cy="2412882"/>
-            </a:xfrm>
-            <a:prstGeom prst="rect">
-              <a:avLst/>
-            </a:prstGeom>
-            <a:noFill/>
-            <a:ln>
-              <a:noFill/>
-            </a:ln>
+          </p:cNvPr>
+          <p:cNvPicPr>
+            <a:picLocks noChangeAspect="1"/>
+          </p:cNvPicPr>
+          <p:nvPr/>
+        </p:nvPicPr>
+        <p:blipFill rotWithShape="1">
+          <a:blip r:embed="rId4" cstate="print">
             <a:extLst>
-              <a:ext uri="{909E8E84-426E-40DD-AFC4-6F175D3DCCD1}">
-                <a14:hiddenFill xmlns:a14="http://schemas.microsoft.com/office/drawing/2010/main">
-                  <a:solidFill>
-                    <a:schemeClr val="accent1"/>
-                  </a:solidFill>
-                </a14:hiddenFill>
-              </a:ext>
-              <a:ext uri="{91240B29-F687-4F45-9708-019B960494DF}">
-                <a14:hiddenLine xmlns:a14="http://schemas.microsoft.com/office/drawing/2010/main" w="9525">
-                  <a:solidFill>
-                    <a:schemeClr val="tx1"/>
-                  </a:solidFill>
-                  <a:miter lim="800000"/>
-                  <a:headEnd/>
-                  <a:tailEnd/>
-                </a14:hiddenLine>
+              <a:ext uri="{28A0092B-C50C-407E-A947-70E740481C1C}">
+                <a14:useLocalDpi xmlns:a14="http://schemas.microsoft.com/office/drawing/2010/main" val="0"/>
               </a:ext>
             </a:extLst>
-          </p:spPr>
-        </p:pic>
-        <p:pic>
-          <p:nvPicPr>
-            <p:cNvPr id="2056" name="Picture 8"/>
-            <p:cNvPicPr>
-              <a:picLocks noChangeAspect="1" noChangeArrowheads="1"/>
-            </p:cNvPicPr>
-            <p:nvPr/>
-          </p:nvPicPr>
-          <p:blipFill>
-            <a:blip r:embed="rId7">
-              <a:extLst>
-                <a:ext uri="{28A0092B-C50C-407E-A947-70E740481C1C}">
-                  <a14:useLocalDpi xmlns:a14="http://schemas.microsoft.com/office/drawing/2010/main" val="0"/>
-                </a:ext>
-              </a:extLst>
-            </a:blip>
-            <a:srcRect/>
-            <a:stretch>
-              <a:fillRect/>
-            </a:stretch>
-          </p:blipFill>
-          <p:spPr bwMode="auto">
-            <a:xfrm>
-              <a:off x="2415151" y="823948"/>
-              <a:ext cx="1885031" cy="2520280"/>
-            </a:xfrm>
-            <a:prstGeom prst="rect">
-              <a:avLst/>
-            </a:prstGeom>
-            <a:noFill/>
-            <a:ln>
-              <a:noFill/>
-            </a:ln>
+          </a:blip>
+          <a:srcRect l="5500" r="7288"/>
+          <a:stretch/>
+        </p:blipFill>
+        <p:spPr>
+          <a:xfrm>
+            <a:off x="5131099" y="951011"/>
+            <a:ext cx="1761143" cy="2016223"/>
+          </a:xfrm>
+          <a:prstGeom prst="rect">
+            <a:avLst/>
+          </a:prstGeom>
+        </p:spPr>
+      </p:pic>
+      <p:pic>
+        <p:nvPicPr>
+          <p:cNvPr id="10" name="Picture 9" descr="A person looking at the camera&#10;&#10;Description automatically generated">
             <a:extLst>
-              <a:ext uri="{909E8E84-426E-40DD-AFC4-6F175D3DCCD1}">
-                <a14:hiddenFill xmlns:a14="http://schemas.microsoft.com/office/drawing/2010/main">
-                  <a:solidFill>
-                    <a:schemeClr val="accent1"/>
-                  </a:solidFill>
-                </a14:hiddenFill>
-              </a:ext>
-              <a:ext uri="{91240B29-F687-4F45-9708-019B960494DF}">
-                <a14:hiddenLine xmlns:a14="http://schemas.microsoft.com/office/drawing/2010/main" w="9525">
-                  <a:solidFill>
-                    <a:schemeClr val="tx1"/>
-                  </a:solidFill>
-                  <a:miter lim="800000"/>
-                  <a:headEnd/>
-                  <a:tailEnd/>
-                </a14:hiddenLine>
+              <a:ext uri="{FF2B5EF4-FFF2-40B4-BE49-F238E27FC236}">
+                <a16:creationId xmlns:a16="http://schemas.microsoft.com/office/drawing/2014/main" id="{2FA96266-3E7D-4BC5-9D8B-4AFAD1C51DF0}"/>
               </a:ext>
             </a:extLst>
-          </p:spPr>
-        </p:pic>
-        <p:pic>
-          <p:nvPicPr>
-            <p:cNvPr id="2057" name="Picture 9"/>
-            <p:cNvPicPr>
-              <a:picLocks noChangeAspect="1" noChangeArrowheads="1"/>
-            </p:cNvPicPr>
-            <p:nvPr/>
-          </p:nvPicPr>
-          <p:blipFill>
-            <a:blip r:embed="rId8">
-              <a:extLst>
-                <a:ext uri="{28A0092B-C50C-407E-A947-70E740481C1C}">
-                  <a14:useLocalDpi xmlns:a14="http://schemas.microsoft.com/office/drawing/2010/main" val="0"/>
-                </a:ext>
-              </a:extLst>
-            </a:blip>
-            <a:srcRect/>
-            <a:stretch>
-              <a:fillRect/>
-            </a:stretch>
-          </p:blipFill>
-          <p:spPr bwMode="auto">
-            <a:xfrm>
-              <a:off x="4589631" y="3432441"/>
-              <a:ext cx="1836204" cy="2448272"/>
-            </a:xfrm>
-            <a:prstGeom prst="rect">
-              <a:avLst/>
-            </a:prstGeom>
-            <a:noFill/>
-            <a:ln>
-              <a:noFill/>
-            </a:ln>
+          </p:cNvPr>
+          <p:cNvPicPr>
+            <a:picLocks noChangeAspect="1"/>
+          </p:cNvPicPr>
+          <p:nvPr/>
+        </p:nvPicPr>
+        <p:blipFill rotWithShape="1">
+          <a:blip r:embed="rId5" cstate="print">
             <a:extLst>
-              <a:ext uri="{909E8E84-426E-40DD-AFC4-6F175D3DCCD1}">
-                <a14:hiddenFill xmlns:a14="http://schemas.microsoft.com/office/drawing/2010/main">
-                  <a:solidFill>
-                    <a:schemeClr val="accent1"/>
-                  </a:solidFill>
-                </a14:hiddenFill>
-              </a:ext>
-              <a:ext uri="{91240B29-F687-4F45-9708-019B960494DF}">
-                <a14:hiddenLine xmlns:a14="http://schemas.microsoft.com/office/drawing/2010/main" w="9525">
-                  <a:solidFill>
-                    <a:schemeClr val="tx1"/>
-                  </a:solidFill>
-                  <a:miter lim="800000"/>
-                  <a:headEnd/>
-                  <a:tailEnd/>
-                </a14:hiddenLine>
+              <a:ext uri="{28A0092B-C50C-407E-A947-70E740481C1C}">
+                <a14:useLocalDpi xmlns:a14="http://schemas.microsoft.com/office/drawing/2010/main" val="0"/>
               </a:ext>
             </a:extLst>
-          </p:spPr>
-        </p:pic>
-        <p:pic>
-          <p:nvPicPr>
-            <p:cNvPr id="2058" name="Picture 10"/>
-            <p:cNvPicPr>
-              <a:picLocks noChangeAspect="1" noChangeArrowheads="1"/>
-            </p:cNvPicPr>
-            <p:nvPr/>
-          </p:nvPicPr>
-          <p:blipFill rotWithShape="1">
-            <a:blip r:embed="rId9">
-              <a:extLst>
-                <a:ext uri="{28A0092B-C50C-407E-A947-70E740481C1C}">
-                  <a14:useLocalDpi xmlns:a14="http://schemas.microsoft.com/office/drawing/2010/main" val="0"/>
-                </a:ext>
-              </a:extLst>
-            </a:blip>
-            <a:srcRect t="1262"/>
-            <a:stretch/>
-          </p:blipFill>
-          <p:spPr bwMode="auto">
-            <a:xfrm>
-              <a:off x="6444208" y="3459926"/>
-              <a:ext cx="1636459" cy="2420787"/>
-            </a:xfrm>
-            <a:prstGeom prst="rect">
-              <a:avLst/>
-            </a:prstGeom>
-            <a:noFill/>
-            <a:ln>
-              <a:noFill/>
-            </a:ln>
+          </a:blip>
+          <a:srcRect l="12525" r="12475"/>
+          <a:stretch/>
+        </p:blipFill>
+        <p:spPr>
+          <a:xfrm>
+            <a:off x="7170219" y="951011"/>
+            <a:ext cx="1512168" cy="2016222"/>
+          </a:xfrm>
+          <a:prstGeom prst="rect">
+            <a:avLst/>
+          </a:prstGeom>
+        </p:spPr>
+      </p:pic>
+      <p:pic>
+        <p:nvPicPr>
+          <p:cNvPr id="12" name="Picture 11" descr="A person standing on a table&#10;&#10;Description automatically generated">
             <a:extLst>
-              <a:ext uri="{909E8E84-426E-40DD-AFC4-6F175D3DCCD1}">
-                <a14:hiddenFill xmlns:a14="http://schemas.microsoft.com/office/drawing/2010/main">
-                  <a:solidFill>
-                    <a:schemeClr val="accent1"/>
-                  </a:solidFill>
-                </a14:hiddenFill>
-              </a:ext>
-              <a:ext uri="{91240B29-F687-4F45-9708-019B960494DF}">
-                <a14:hiddenLine xmlns:a14="http://schemas.microsoft.com/office/drawing/2010/main" w="9525">
-                  <a:solidFill>
-                    <a:schemeClr val="tx1"/>
-                  </a:solidFill>
-                  <a:miter lim="800000"/>
-                  <a:headEnd/>
-                  <a:tailEnd/>
-                </a14:hiddenLine>
+              <a:ext uri="{FF2B5EF4-FFF2-40B4-BE49-F238E27FC236}">
+                <a16:creationId xmlns:a16="http://schemas.microsoft.com/office/drawing/2014/main" id="{FB1F51BF-8F17-4081-89C2-6CE960483B6C}"/>
               </a:ext>
             </a:extLst>
-          </p:spPr>
-        </p:pic>
-      </p:grpSp>
+          </p:cNvPr>
+          <p:cNvPicPr>
+            <a:picLocks noChangeAspect="1"/>
+          </p:cNvPicPr>
+          <p:nvPr/>
+        </p:nvPicPr>
+        <p:blipFill>
+          <a:blip r:embed="rId6" cstate="print">
+            <a:extLst>
+              <a:ext uri="{28A0092B-C50C-407E-A947-70E740481C1C}">
+                <a14:useLocalDpi xmlns:a14="http://schemas.microsoft.com/office/drawing/2010/main" val="0"/>
+              </a:ext>
+            </a:extLst>
+          </a:blip>
+          <a:stretch>
+            <a:fillRect/>
+          </a:stretch>
+        </p:blipFill>
+        <p:spPr>
+          <a:xfrm>
+            <a:off x="109076" y="3573016"/>
+            <a:ext cx="2019369" cy="2016224"/>
+          </a:xfrm>
+          <a:prstGeom prst="rect">
+            <a:avLst/>
+          </a:prstGeom>
+        </p:spPr>
+      </p:pic>
+      <p:pic>
+        <p:nvPicPr>
+          <p:cNvPr id="14" name="Picture 13" descr="A person posing for the camera&#10;&#10;Description automatically generated">
+            <a:extLst>
+              <a:ext uri="{FF2B5EF4-FFF2-40B4-BE49-F238E27FC236}">
+                <a16:creationId xmlns:a16="http://schemas.microsoft.com/office/drawing/2014/main" id="{37D0542B-71C3-4252-9B4E-9558674DF7CF}"/>
+              </a:ext>
+            </a:extLst>
+          </p:cNvPr>
+          <p:cNvPicPr>
+            <a:picLocks noChangeAspect="1"/>
+          </p:cNvPicPr>
+          <p:nvPr/>
+        </p:nvPicPr>
+        <p:blipFill rotWithShape="1">
+          <a:blip r:embed="rId7" cstate="print">
+            <a:extLst>
+              <a:ext uri="{28A0092B-C50C-407E-A947-70E740481C1C}">
+                <a14:useLocalDpi xmlns:a14="http://schemas.microsoft.com/office/drawing/2010/main" val="0"/>
+              </a:ext>
+            </a:extLst>
+          </a:blip>
+          <a:srcRect l="14079" r="14603"/>
+          <a:stretch/>
+        </p:blipFill>
+        <p:spPr>
+          <a:xfrm>
+            <a:off x="2411759" y="3570420"/>
+            <a:ext cx="1440161" cy="2016224"/>
+          </a:xfrm>
+          <a:prstGeom prst="rect">
+            <a:avLst/>
+          </a:prstGeom>
+        </p:spPr>
+      </p:pic>
+      <p:pic>
+        <p:nvPicPr>
+          <p:cNvPr id="16" name="Picture 15" descr="A person wearing a suit and tie&#10;&#10;Description automatically generated">
+            <a:extLst>
+              <a:ext uri="{FF2B5EF4-FFF2-40B4-BE49-F238E27FC236}">
+                <a16:creationId xmlns:a16="http://schemas.microsoft.com/office/drawing/2014/main" id="{E712BACB-11D7-4883-9D52-1F6C5F0CFEDC}"/>
+              </a:ext>
+            </a:extLst>
+          </p:cNvPr>
+          <p:cNvPicPr>
+            <a:picLocks noChangeAspect="1"/>
+          </p:cNvPicPr>
+          <p:nvPr/>
+        </p:nvPicPr>
+        <p:blipFill rotWithShape="1">
+          <a:blip r:embed="rId8" cstate="print">
+            <a:extLst>
+              <a:ext uri="{28A0092B-C50C-407E-A947-70E740481C1C}">
+                <a14:useLocalDpi xmlns:a14="http://schemas.microsoft.com/office/drawing/2010/main" val="0"/>
+              </a:ext>
+            </a:extLst>
+          </a:blip>
+          <a:srcRect l="5500" r="7288"/>
+          <a:stretch/>
+        </p:blipFill>
+        <p:spPr>
+          <a:xfrm>
+            <a:off x="5691176" y="3573017"/>
+            <a:ext cx="1761143" cy="2016223"/>
+          </a:xfrm>
+          <a:prstGeom prst="rect">
+            <a:avLst/>
+          </a:prstGeom>
+        </p:spPr>
+      </p:pic>
+      <p:pic>
+        <p:nvPicPr>
+          <p:cNvPr id="18" name="Picture 17" descr="A person posing for the camera&#10;&#10;Description automatically generated">
+            <a:extLst>
+              <a:ext uri="{FF2B5EF4-FFF2-40B4-BE49-F238E27FC236}">
+                <a16:creationId xmlns:a16="http://schemas.microsoft.com/office/drawing/2014/main" id="{3B3324A4-9D7D-4330-9DA8-172C4B191205}"/>
+              </a:ext>
+            </a:extLst>
+          </p:cNvPr>
+          <p:cNvPicPr>
+            <a:picLocks noChangeAspect="1"/>
+          </p:cNvPicPr>
+          <p:nvPr/>
+        </p:nvPicPr>
+        <p:blipFill rotWithShape="1">
+          <a:blip r:embed="rId9" cstate="print">
+            <a:extLst>
+              <a:ext uri="{28A0092B-C50C-407E-A947-70E740481C1C}">
+                <a14:useLocalDpi xmlns:a14="http://schemas.microsoft.com/office/drawing/2010/main" val="0"/>
+              </a:ext>
+            </a:extLst>
+          </a:blip>
+          <a:srcRect l="17858" r="17935"/>
+          <a:stretch/>
+        </p:blipFill>
+        <p:spPr>
+          <a:xfrm>
+            <a:off x="7740352" y="3570421"/>
+            <a:ext cx="1294572" cy="2016222"/>
+          </a:xfrm>
+          <a:prstGeom prst="rect">
+            <a:avLst/>
+          </a:prstGeom>
+        </p:spPr>
+      </p:pic>
     </p:spTree>
     <p:extLst>
       <p:ext uri="{BB962C8B-B14F-4D97-AF65-F5344CB8AC3E}">
         <p14:creationId xmlns:p14="http://schemas.microsoft.com/office/powerpoint/2010/main" val="1825879798"/>
+      </p:ext>
+    </p:extLst>
+  </p:cSld>
+  <p:clrMapOvr>
+    <a:masterClrMapping/>
+  </p:clrMapOvr>
+</p:sld>
+</file>
+
+<file path=ppt/slides/slide3.xml><?xml version="1.0" encoding="utf-8"?>
+<p:sld xmlns:a="http://schemas.openxmlformats.org/drawingml/2006/main" xmlns:r="http://schemas.openxmlformats.org/officeDocument/2006/relationships" xmlns:p="http://schemas.openxmlformats.org/presentationml/2006/main">
+  <p:cSld>
+    <p:spTree>
+      <p:nvGrpSpPr>
+        <p:cNvPr id="1" name=""/>
+        <p:cNvGrpSpPr/>
+        <p:nvPr/>
+      </p:nvGrpSpPr>
+      <p:grpSpPr>
+        <a:xfrm>
+          <a:off x="0" y="0"/>
+          <a:ext cx="0" cy="0"/>
+          <a:chOff x="0" y="0"/>
+          <a:chExt cx="0" cy="0"/>
+        </a:xfrm>
+      </p:grpSpPr>
+      <p:pic>
+        <p:nvPicPr>
+          <p:cNvPr id="2" name="Picture 2" descr="Image">
+            <a:extLst>
+              <a:ext uri="{FF2B5EF4-FFF2-40B4-BE49-F238E27FC236}">
+                <a16:creationId xmlns:a16="http://schemas.microsoft.com/office/drawing/2014/main" id="{AF81AD76-5108-41F9-81C5-A1A3966C0176}"/>
+              </a:ext>
+            </a:extLst>
+          </p:cNvPr>
+          <p:cNvPicPr>
+            <a:picLocks noChangeAspect="1" noChangeArrowheads="1"/>
+          </p:cNvPicPr>
+          <p:nvPr/>
+        </p:nvPicPr>
+        <p:blipFill rotWithShape="1">
+          <a:blip r:embed="rId2">
+            <a:extLst>
+              <a:ext uri="{28A0092B-C50C-407E-A947-70E740481C1C}">
+                <a14:useLocalDpi xmlns:a14="http://schemas.microsoft.com/office/drawing/2010/main" val="0"/>
+              </a:ext>
+            </a:extLst>
+          </a:blip>
+          <a:srcRect b="1488"/>
+          <a:stretch/>
+        </p:blipFill>
+        <p:spPr bwMode="auto">
+          <a:xfrm>
+            <a:off x="251520" y="1844824"/>
+            <a:ext cx="2691899" cy="2651861"/>
+          </a:xfrm>
+          <a:prstGeom prst="rect">
+            <a:avLst/>
+          </a:prstGeom>
+          <a:noFill/>
+          <a:extLst>
+            <a:ext uri="{909E8E84-426E-40DD-AFC4-6F175D3DCCD1}">
+              <a14:hiddenFill xmlns:a14="http://schemas.microsoft.com/office/drawing/2010/main">
+                <a:solidFill>
+                  <a:srgbClr val="FFFFFF"/>
+                </a:solidFill>
+              </a14:hiddenFill>
+            </a:ext>
+          </a:extLst>
+        </p:spPr>
+      </p:pic>
+      <p:pic>
+        <p:nvPicPr>
+          <p:cNvPr id="3" name="Picture 4" descr="Image">
+            <a:extLst>
+              <a:ext uri="{FF2B5EF4-FFF2-40B4-BE49-F238E27FC236}">
+                <a16:creationId xmlns:a16="http://schemas.microsoft.com/office/drawing/2014/main" id="{0AB0EFAE-6423-4C79-9477-3480D7867BF5}"/>
+              </a:ext>
+            </a:extLst>
+          </p:cNvPr>
+          <p:cNvPicPr>
+            <a:picLocks noChangeAspect="1" noChangeArrowheads="1"/>
+          </p:cNvPicPr>
+          <p:nvPr/>
+        </p:nvPicPr>
+        <p:blipFill>
+          <a:blip r:embed="rId3">
+            <a:extLst>
+              <a:ext uri="{BEBA8EAE-BF5A-486C-A8C5-ECC9F3942E4B}">
+                <a14:imgProps xmlns:a14="http://schemas.microsoft.com/office/drawing/2010/main">
+                  <a14:imgLayer r:embed="rId4">
+                    <a14:imgEffect>
+                      <a14:backgroundRemoval t="5348" b="98396" l="9626" r="90374">
+                        <a14:foregroundMark x1="47059" y1="88235" x2="45455" y2="88235"/>
+                        <a14:foregroundMark x1="65241" y1="70053" x2="45455" y2="94652"/>
+                        <a14:foregroundMark x1="87166" y1="87166" x2="86631" y2="99465"/>
+                        <a14:foregroundMark x1="56684" y1="9091" x2="65775" y2="9626"/>
+                        <a14:foregroundMark x1="53476" y1="5348" x2="62032" y2="6952"/>
+                        <a14:foregroundMark x1="52406" y1="12834" x2="64706" y2="6952"/>
+                        <a14:foregroundMark x1="90374" y1="72193" x2="90374" y2="72193"/>
+                        <a14:backgroundMark x1="49198" y1="8021" x2="51706" y2="7800"/>
+                        <a14:backgroundMark x1="54545" y1="4813" x2="54545" y2="4813"/>
+                        <a14:backgroundMark x1="51872" y1="4813" x2="51872" y2="4813"/>
+                        <a14:backgroundMark x1="52941" y1="5348" x2="52941" y2="5348"/>
+                        <a14:backgroundMark x1="54545" y1="4278" x2="54545" y2="4278"/>
+                      </a14:backgroundRemoval>
+                    </a14:imgEffect>
+                  </a14:imgLayer>
+                </a14:imgProps>
+              </a:ext>
+              <a:ext uri="{28A0092B-C50C-407E-A947-70E740481C1C}">
+                <a14:useLocalDpi xmlns:a14="http://schemas.microsoft.com/office/drawing/2010/main" val="0"/>
+              </a:ext>
+            </a:extLst>
+          </a:blip>
+          <a:srcRect/>
+          <a:stretch>
+            <a:fillRect/>
+          </a:stretch>
+        </p:blipFill>
+        <p:spPr bwMode="auto">
+          <a:xfrm>
+            <a:off x="3181645" y="1780399"/>
+            <a:ext cx="2780709" cy="2780709"/>
+          </a:xfrm>
+          <a:prstGeom prst="rect">
+            <a:avLst/>
+          </a:prstGeom>
+          <a:noFill/>
+          <a:extLst>
+            <a:ext uri="{909E8E84-426E-40DD-AFC4-6F175D3DCCD1}">
+              <a14:hiddenFill xmlns:a14="http://schemas.microsoft.com/office/drawing/2010/main">
+                <a:solidFill>
+                  <a:srgbClr val="FFFFFF"/>
+                </a:solidFill>
+              </a14:hiddenFill>
+            </a:ext>
+          </a:extLst>
+        </p:spPr>
+      </p:pic>
+      <p:pic>
+        <p:nvPicPr>
+          <p:cNvPr id="1030" name="Picture 6" descr="Image">
+            <a:extLst>
+              <a:ext uri="{FF2B5EF4-FFF2-40B4-BE49-F238E27FC236}">
+                <a16:creationId xmlns:a16="http://schemas.microsoft.com/office/drawing/2014/main" id="{AF38621E-13FA-4EEF-A6EB-E71CF07FFA2D}"/>
+              </a:ext>
+            </a:extLst>
+          </p:cNvPr>
+          <p:cNvPicPr>
+            <a:picLocks noChangeAspect="1" noChangeArrowheads="1"/>
+          </p:cNvPicPr>
+          <p:nvPr/>
+        </p:nvPicPr>
+        <p:blipFill rotWithShape="1">
+          <a:blip r:embed="rId5">
+            <a:extLst>
+              <a:ext uri="{28A0092B-C50C-407E-A947-70E740481C1C}">
+                <a14:useLocalDpi xmlns:a14="http://schemas.microsoft.com/office/drawing/2010/main" val="0"/>
+              </a:ext>
+            </a:extLst>
+          </a:blip>
+          <a:srcRect b="4832"/>
+          <a:stretch/>
+        </p:blipFill>
+        <p:spPr bwMode="auto">
+          <a:xfrm>
+            <a:off x="6096124" y="1909247"/>
+            <a:ext cx="2786502" cy="2651861"/>
+          </a:xfrm>
+          <a:prstGeom prst="rect">
+            <a:avLst/>
+          </a:prstGeom>
+          <a:noFill/>
+          <a:extLst>
+            <a:ext uri="{909E8E84-426E-40DD-AFC4-6F175D3DCCD1}">
+              <a14:hiddenFill xmlns:a14="http://schemas.microsoft.com/office/drawing/2010/main">
+                <a:solidFill>
+                  <a:srgbClr val="FFFFFF"/>
+                </a:solidFill>
+              </a14:hiddenFill>
+            </a:ext>
+          </a:extLst>
+        </p:spPr>
+      </p:pic>
+    </p:spTree>
+    <p:extLst>
+      <p:ext uri="{BB962C8B-B14F-4D97-AF65-F5344CB8AC3E}">
+        <p14:creationId xmlns:p14="http://schemas.microsoft.com/office/powerpoint/2010/main" val="675039783"/>
       </p:ext>
     </p:extLst>
   </p:cSld>

--- a/static/img/Specials/onDemandHeadPhotosPlenariesAndKeynotes.pptx
+++ b/static/img/Specials/onDemandHeadPhotosPlenariesAndKeynotes.pptx
@@ -8,6 +8,7 @@
     <p:sldId id="256" r:id="rId2"/>
     <p:sldId id="257" r:id="rId3"/>
     <p:sldId id="258" r:id="rId4"/>
+    <p:sldId id="259" r:id="rId5"/>
   </p:sldIdLst>
   <p:sldSz cx="9144000" cy="6858000" type="screen4x3"/>
   <p:notesSz cx="6858000" cy="9144000"/>
@@ -304,7 +305,7 @@
           <a:p>
             <a:fld id="{0CCCE32A-B26F-4A65-858B-872736513CD1}" type="datetimeFigureOut">
               <a:rPr lang="en-US" smtClean="0"/>
-              <a:t>10/17/2020</a:t>
+              <a:t>10/21/2020</a:t>
             </a:fld>
             <a:endParaRPr lang="en-US"/>
           </a:p>
@@ -472,7 +473,7 @@
           <a:p>
             <a:fld id="{0CCCE32A-B26F-4A65-858B-872736513CD1}" type="datetimeFigureOut">
               <a:rPr lang="en-US" smtClean="0"/>
-              <a:t>10/17/2020</a:t>
+              <a:t>10/21/2020</a:t>
             </a:fld>
             <a:endParaRPr lang="en-US"/>
           </a:p>
@@ -650,7 +651,7 @@
           <a:p>
             <a:fld id="{0CCCE32A-B26F-4A65-858B-872736513CD1}" type="datetimeFigureOut">
               <a:rPr lang="en-US" smtClean="0"/>
-              <a:t>10/17/2020</a:t>
+              <a:t>10/21/2020</a:t>
             </a:fld>
             <a:endParaRPr lang="en-US"/>
           </a:p>
@@ -818,7 +819,7 @@
           <a:p>
             <a:fld id="{0CCCE32A-B26F-4A65-858B-872736513CD1}" type="datetimeFigureOut">
               <a:rPr lang="en-US" smtClean="0"/>
-              <a:t>10/17/2020</a:t>
+              <a:t>10/21/2020</a:t>
             </a:fld>
             <a:endParaRPr lang="en-US"/>
           </a:p>
@@ -1063,7 +1064,7 @@
           <a:p>
             <a:fld id="{0CCCE32A-B26F-4A65-858B-872736513CD1}" type="datetimeFigureOut">
               <a:rPr lang="en-US" smtClean="0"/>
-              <a:t>10/17/2020</a:t>
+              <a:t>10/21/2020</a:t>
             </a:fld>
             <a:endParaRPr lang="en-US"/>
           </a:p>
@@ -1348,7 +1349,7 @@
           <a:p>
             <a:fld id="{0CCCE32A-B26F-4A65-858B-872736513CD1}" type="datetimeFigureOut">
               <a:rPr lang="en-US" smtClean="0"/>
-              <a:t>10/17/2020</a:t>
+              <a:t>10/21/2020</a:t>
             </a:fld>
             <a:endParaRPr lang="en-US"/>
           </a:p>
@@ -1767,7 +1768,7 @@
           <a:p>
             <a:fld id="{0CCCE32A-B26F-4A65-858B-872736513CD1}" type="datetimeFigureOut">
               <a:rPr lang="en-US" smtClean="0"/>
-              <a:t>10/17/2020</a:t>
+              <a:t>10/21/2020</a:t>
             </a:fld>
             <a:endParaRPr lang="en-US"/>
           </a:p>
@@ -1884,7 +1885,7 @@
           <a:p>
             <a:fld id="{0CCCE32A-B26F-4A65-858B-872736513CD1}" type="datetimeFigureOut">
               <a:rPr lang="en-US" smtClean="0"/>
-              <a:t>10/17/2020</a:t>
+              <a:t>10/21/2020</a:t>
             </a:fld>
             <a:endParaRPr lang="en-US"/>
           </a:p>
@@ -1979,7 +1980,7 @@
           <a:p>
             <a:fld id="{0CCCE32A-B26F-4A65-858B-872736513CD1}" type="datetimeFigureOut">
               <a:rPr lang="en-US" smtClean="0"/>
-              <a:t>10/17/2020</a:t>
+              <a:t>10/21/2020</a:t>
             </a:fld>
             <a:endParaRPr lang="en-US"/>
           </a:p>
@@ -2254,7 +2255,7 @@
           <a:p>
             <a:fld id="{0CCCE32A-B26F-4A65-858B-872736513CD1}" type="datetimeFigureOut">
               <a:rPr lang="en-US" smtClean="0"/>
-              <a:t>10/17/2020</a:t>
+              <a:t>10/21/2020</a:t>
             </a:fld>
             <a:endParaRPr lang="en-US"/>
           </a:p>
@@ -2506,7 +2507,7 @@
           <a:p>
             <a:fld id="{0CCCE32A-B26F-4A65-858B-872736513CD1}" type="datetimeFigureOut">
               <a:rPr lang="en-US" smtClean="0"/>
-              <a:t>10/17/2020</a:t>
+              <a:t>10/21/2020</a:t>
             </a:fld>
             <a:endParaRPr lang="en-US"/>
           </a:p>
@@ -2740,7 +2741,7 @@
           <a:p>
             <a:fld id="{0CCCE32A-B26F-4A65-858B-872736513CD1}" type="datetimeFigureOut">
               <a:rPr lang="en-US" smtClean="0"/>
-              <a:t>10/17/2020</a:t>
+              <a:t>10/21/2020</a:t>
             </a:fld>
             <a:endParaRPr lang="en-US"/>
           </a:p>
@@ -3814,6 +3815,116 @@
 </p:sld>
 </file>
 
+<file path=ppt/slides/slide4.xml><?xml version="1.0" encoding="utf-8"?>
+<p:sld xmlns:a="http://schemas.openxmlformats.org/drawingml/2006/main" xmlns:r="http://schemas.openxmlformats.org/officeDocument/2006/relationships" xmlns:p="http://schemas.openxmlformats.org/presentationml/2006/main">
+  <p:cSld>
+    <p:bg>
+      <p:bgPr>
+        <a:solidFill>
+          <a:schemeClr val="bg1"/>
+        </a:solidFill>
+        <a:effectLst/>
+      </p:bgPr>
+    </p:bg>
+    <p:spTree>
+      <p:nvGrpSpPr>
+        <p:cNvPr id="1" name=""/>
+        <p:cNvGrpSpPr/>
+        <p:nvPr/>
+      </p:nvGrpSpPr>
+      <p:grpSpPr>
+        <a:xfrm>
+          <a:off x="0" y="0"/>
+          <a:ext cx="0" cy="0"/>
+          <a:chOff x="0" y="0"/>
+          <a:chExt cx="0" cy="0"/>
+        </a:xfrm>
+      </p:grpSpPr>
+      <p:pic>
+        <p:nvPicPr>
+          <p:cNvPr id="5" name="Picture 4" descr="A young person wearing a suit and tie smiling at the camera&#10;&#10;Description automatically generated">
+            <a:extLst>
+              <a:ext uri="{FF2B5EF4-FFF2-40B4-BE49-F238E27FC236}">
+                <a16:creationId xmlns:a16="http://schemas.microsoft.com/office/drawing/2014/main" id="{16D4DF0A-CE21-407E-9C92-952FA7632256}"/>
+              </a:ext>
+            </a:extLst>
+          </p:cNvPr>
+          <p:cNvPicPr>
+            <a:picLocks noChangeAspect="1"/>
+          </p:cNvPicPr>
+          <p:nvPr/>
+        </p:nvPicPr>
+        <p:blipFill>
+          <a:blip r:embed="rId2">
+            <a:extLst>
+              <a:ext uri="{28A0092B-C50C-407E-A947-70E740481C1C}">
+                <a14:useLocalDpi xmlns:a14="http://schemas.microsoft.com/office/drawing/2010/main" val="0"/>
+              </a:ext>
+            </a:extLst>
+          </a:blip>
+          <a:stretch>
+            <a:fillRect/>
+          </a:stretch>
+        </p:blipFill>
+        <p:spPr>
+          <a:xfrm>
+            <a:off x="2621111" y="2127391"/>
+            <a:ext cx="3901778" cy="2603218"/>
+          </a:xfrm>
+          <a:prstGeom prst="rect">
+            <a:avLst/>
+          </a:prstGeom>
+        </p:spPr>
+      </p:pic>
+      <p:pic>
+        <p:nvPicPr>
+          <p:cNvPr id="8" name="Picture 7" descr="A group of people posing for the camera&#10;&#10;Description automatically generated">
+            <a:extLst>
+              <a:ext uri="{FF2B5EF4-FFF2-40B4-BE49-F238E27FC236}">
+                <a16:creationId xmlns:a16="http://schemas.microsoft.com/office/drawing/2014/main" id="{B7502B24-8AD8-40CA-B9A2-3DEC65AC3ABA}"/>
+              </a:ext>
+            </a:extLst>
+          </p:cNvPr>
+          <p:cNvPicPr>
+            <a:picLocks noChangeAspect="1"/>
+          </p:cNvPicPr>
+          <p:nvPr/>
+        </p:nvPicPr>
+        <p:blipFill>
+          <a:blip r:embed="rId3" cstate="print">
+            <a:extLst>
+              <a:ext uri="{28A0092B-C50C-407E-A947-70E740481C1C}">
+                <a14:useLocalDpi xmlns:a14="http://schemas.microsoft.com/office/drawing/2010/main" val="0"/>
+              </a:ext>
+            </a:extLst>
+          </a:blip>
+          <a:stretch>
+            <a:fillRect/>
+          </a:stretch>
+        </p:blipFill>
+        <p:spPr>
+          <a:xfrm>
+            <a:off x="2834975" y="2127391"/>
+            <a:ext cx="3474050" cy="2603217"/>
+          </a:xfrm>
+          <a:prstGeom prst="rect">
+            <a:avLst/>
+          </a:prstGeom>
+        </p:spPr>
+      </p:pic>
+    </p:spTree>
+    <p:extLst>
+      <p:ext uri="{BB962C8B-B14F-4D97-AF65-F5344CB8AC3E}">
+        <p14:creationId xmlns:p14="http://schemas.microsoft.com/office/powerpoint/2010/main" val="1230705864"/>
+      </p:ext>
+    </p:extLst>
+  </p:cSld>
+  <p:clrMapOvr>
+    <a:masterClrMapping/>
+  </p:clrMapOvr>
+</p:sld>
+</file>
+
 <file path=ppt/theme/theme1.xml><?xml version="1.0" encoding="utf-8"?>
 <a:theme xmlns:a="http://schemas.openxmlformats.org/drawingml/2006/main" name="Office Theme">
   <a:themeElements>
